--- a/Monitoreo y Control.pptx
+++ b/Monitoreo y Control.pptx
@@ -365,7 +365,7 @@
           <a:p>
             <a:fld id="{09A7EB5C-7C07-7646-925E-9C5C7B4A0A1C}" type="slidenum">
               <a:rPr lang="es-ES_tradnl" smtClean="0"/>
-              <a:t>‹#›</a:t>
+              <a:t>‹Nº›</a:t>
             </a:fld>
             <a:endParaRPr lang="es-ES_tradnl"/>
           </a:p>
@@ -831,7 +831,7 @@
           <a:p>
             <a:fld id="{90361390-4E53-E84E-AD55-1B7C77486D52}" type="slidenum">
               <a:rPr lang="es-ES_tradnl" smtClean="0"/>
-              <a:t>‹#›</a:t>
+              <a:t>‹Nº›</a:t>
             </a:fld>
             <a:endParaRPr lang="es-ES_tradnl"/>
           </a:p>
@@ -1001,7 +1001,7 @@
           <a:p>
             <a:fld id="{90361390-4E53-E84E-AD55-1B7C77486D52}" type="slidenum">
               <a:rPr lang="es-ES_tradnl" smtClean="0"/>
-              <a:t>‹#›</a:t>
+              <a:t>‹Nº›</a:t>
             </a:fld>
             <a:endParaRPr lang="es-ES_tradnl"/>
           </a:p>
@@ -1181,7 +1181,7 @@
           <a:p>
             <a:fld id="{90361390-4E53-E84E-AD55-1B7C77486D52}" type="slidenum">
               <a:rPr lang="es-ES_tradnl" smtClean="0"/>
-              <a:t>‹#›</a:t>
+              <a:t>‹Nº›</a:t>
             </a:fld>
             <a:endParaRPr lang="es-ES_tradnl"/>
           </a:p>
@@ -1351,7 +1351,7 @@
           <a:p>
             <a:fld id="{90361390-4E53-E84E-AD55-1B7C77486D52}" type="slidenum">
               <a:rPr lang="es-ES_tradnl" smtClean="0"/>
-              <a:t>‹#›</a:t>
+              <a:t>‹Nº›</a:t>
             </a:fld>
             <a:endParaRPr lang="es-ES_tradnl"/>
           </a:p>
@@ -1597,7 +1597,7 @@
           <a:p>
             <a:fld id="{90361390-4E53-E84E-AD55-1B7C77486D52}" type="slidenum">
               <a:rPr lang="es-ES_tradnl" smtClean="0"/>
-              <a:t>‹#›</a:t>
+              <a:t>‹Nº›</a:t>
             </a:fld>
             <a:endParaRPr lang="es-ES_tradnl"/>
           </a:p>
@@ -1829,7 +1829,7 @@
           <a:p>
             <a:fld id="{90361390-4E53-E84E-AD55-1B7C77486D52}" type="slidenum">
               <a:rPr lang="es-ES_tradnl" smtClean="0"/>
-              <a:t>‹#›</a:t>
+              <a:t>‹Nº›</a:t>
             </a:fld>
             <a:endParaRPr lang="es-ES_tradnl"/>
           </a:p>
@@ -2196,7 +2196,7 @@
           <a:p>
             <a:fld id="{90361390-4E53-E84E-AD55-1B7C77486D52}" type="slidenum">
               <a:rPr lang="es-ES_tradnl" smtClean="0"/>
-              <a:t>‹#›</a:t>
+              <a:t>‹Nº›</a:t>
             </a:fld>
             <a:endParaRPr lang="es-ES_tradnl"/>
           </a:p>
@@ -2314,7 +2314,7 @@
           <a:p>
             <a:fld id="{90361390-4E53-E84E-AD55-1B7C77486D52}" type="slidenum">
               <a:rPr lang="es-ES_tradnl" smtClean="0"/>
-              <a:t>‹#›</a:t>
+              <a:t>‹Nº›</a:t>
             </a:fld>
             <a:endParaRPr lang="es-ES_tradnl"/>
           </a:p>
@@ -2409,7 +2409,7 @@
           <a:p>
             <a:fld id="{90361390-4E53-E84E-AD55-1B7C77486D52}" type="slidenum">
               <a:rPr lang="es-ES_tradnl" smtClean="0"/>
-              <a:t>‹#›</a:t>
+              <a:t>‹Nº›</a:t>
             </a:fld>
             <a:endParaRPr lang="es-ES_tradnl"/>
           </a:p>
@@ -2686,7 +2686,7 @@
           <a:p>
             <a:fld id="{90361390-4E53-E84E-AD55-1B7C77486D52}" type="slidenum">
               <a:rPr lang="es-ES_tradnl" smtClean="0"/>
-              <a:t>‹#›</a:t>
+              <a:t>‹Nº›</a:t>
             </a:fld>
             <a:endParaRPr lang="es-ES_tradnl"/>
           </a:p>
@@ -2939,7 +2939,7 @@
           <a:p>
             <a:fld id="{90361390-4E53-E84E-AD55-1B7C77486D52}" type="slidenum">
               <a:rPr lang="es-ES_tradnl" smtClean="0"/>
-              <a:t>‹#›</a:t>
+              <a:t>‹Nº›</a:t>
             </a:fld>
             <a:endParaRPr lang="es-ES_tradnl"/>
           </a:p>
@@ -3188,7 +3188,7 @@
           <a:p>
             <a:fld id="{90361390-4E53-E84E-AD55-1B7C77486D52}" type="slidenum">
               <a:rPr lang="es-ES_tradnl" smtClean="0"/>
-              <a:t>‹#›</a:t>
+              <a:t>‹Nº›</a:t>
             </a:fld>
             <a:endParaRPr lang="es-ES_tradnl"/>
           </a:p>
@@ -3667,15 +3667,7 @@
                   <a:srgbClr val="C00000"/>
                 </a:solidFill>
               </a:rPr>
-              <a:t>Alumnos</a:t>
-            </a:r>
-            <a:r>
-              <a:rPr lang="es-ES_tradnl" sz="1200" b="1" u="sng" dirty="0" smtClean="0">
-                <a:solidFill>
-                  <a:srgbClr val="C00000"/>
-                </a:solidFill>
-              </a:rPr>
-              <a:t>:</a:t>
+              <a:t>Alumnos:</a:t>
             </a:r>
             <a:endParaRPr lang="es-ES_tradnl" sz="1200" u="sng" dirty="0">
               <a:solidFill>
@@ -4255,11 +4247,41 @@
                 <a:tableStyleId>{5C22544A-7EE6-4342-B048-85BDC9FD1C3A}</a:tableStyleId>
               </a:tblPr>
               <a:tblGrid>
-                <a:gridCol w="373383"/>
-                <a:gridCol w="3322932"/>
-                <a:gridCol w="2374450"/>
-                <a:gridCol w="1211706"/>
-                <a:gridCol w="729981"/>
+                <a:gridCol w="373383">
+                  <a:extLst>
+                    <a:ext uri="{9D8B030D-6E8A-4147-A177-3AD203B41FA5}">
+                      <a16:colId xmlns:a16="http://schemas.microsoft.com/office/drawing/2014/main" val="20000"/>
+                    </a:ext>
+                  </a:extLst>
+                </a:gridCol>
+                <a:gridCol w="3322932">
+                  <a:extLst>
+                    <a:ext uri="{9D8B030D-6E8A-4147-A177-3AD203B41FA5}">
+                      <a16:colId xmlns:a16="http://schemas.microsoft.com/office/drawing/2014/main" val="20001"/>
+                    </a:ext>
+                  </a:extLst>
+                </a:gridCol>
+                <a:gridCol w="2374450">
+                  <a:extLst>
+                    <a:ext uri="{9D8B030D-6E8A-4147-A177-3AD203B41FA5}">
+                      <a16:colId xmlns:a16="http://schemas.microsoft.com/office/drawing/2014/main" val="20002"/>
+                    </a:ext>
+                  </a:extLst>
+                </a:gridCol>
+                <a:gridCol w="1211706">
+                  <a:extLst>
+                    <a:ext uri="{9D8B030D-6E8A-4147-A177-3AD203B41FA5}">
+                      <a16:colId xmlns:a16="http://schemas.microsoft.com/office/drawing/2014/main" val="20003"/>
+                    </a:ext>
+                  </a:extLst>
+                </a:gridCol>
+                <a:gridCol w="729981">
+                  <a:extLst>
+                    <a:ext uri="{9D8B030D-6E8A-4147-A177-3AD203B41FA5}">
+                      <a16:colId xmlns:a16="http://schemas.microsoft.com/office/drawing/2014/main" val="20004"/>
+                    </a:ext>
+                  </a:extLst>
+                </a:gridCol>
               </a:tblGrid>
               <a:tr h="93663">
                 <a:tc>
@@ -4422,6 +4444,11 @@
                   </a:txBody>
                   <a:tcPr marL="23623" marR="23623" marT="0" marB="0"/>
                 </a:tc>
+                <a:extLst>
+                  <a:ext uri="{0D108BD9-81ED-4DB2-BD59-A6C34878D82A}">
+                    <a16:rowId xmlns:a16="http://schemas.microsoft.com/office/drawing/2014/main" val="10000"/>
+                  </a:ext>
+                </a:extLst>
               </a:tr>
               <a:tr h="156084">
                 <a:tc rowSpan="12">
@@ -4620,6 +4647,11 @@
                   </a:txBody>
                   <a:tcPr marL="23623" marR="23623" marT="0" marB="0"/>
                 </a:tc>
+                <a:extLst>
+                  <a:ext uri="{0D108BD9-81ED-4DB2-BD59-A6C34878D82A}">
+                    <a16:rowId xmlns:a16="http://schemas.microsoft.com/office/drawing/2014/main" val="10001"/>
+                  </a:ext>
+                </a:extLst>
               </a:tr>
               <a:tr h="92566">
                 <a:tc vMerge="1">
@@ -4760,6 +4792,11 @@
                   </a:txBody>
                   <a:tcPr marL="23623" marR="23623" marT="0" marB="0"/>
                 </a:tc>
+                <a:extLst>
+                  <a:ext uri="{0D108BD9-81ED-4DB2-BD59-A6C34878D82A}">
+                    <a16:rowId xmlns:a16="http://schemas.microsoft.com/office/drawing/2014/main" val="10002"/>
+                  </a:ext>
+                </a:extLst>
               </a:tr>
               <a:tr h="92566">
                 <a:tc vMerge="1">
@@ -4900,6 +4937,11 @@
                   </a:txBody>
                   <a:tcPr marL="23623" marR="23623" marT="0" marB="0"/>
                 </a:tc>
+                <a:extLst>
+                  <a:ext uri="{0D108BD9-81ED-4DB2-BD59-A6C34878D82A}">
+                    <a16:rowId xmlns:a16="http://schemas.microsoft.com/office/drawing/2014/main" val="10003"/>
+                  </a:ext>
+                </a:extLst>
               </a:tr>
               <a:tr h="92566">
                 <a:tc vMerge="1">
@@ -5052,6 +5094,11 @@
                   </a:txBody>
                   <a:tcPr marL="23623" marR="23623" marT="0" marB="0"/>
                 </a:tc>
+                <a:extLst>
+                  <a:ext uri="{0D108BD9-81ED-4DB2-BD59-A6C34878D82A}">
+                    <a16:rowId xmlns:a16="http://schemas.microsoft.com/office/drawing/2014/main" val="10004"/>
+                  </a:ext>
+                </a:extLst>
               </a:tr>
               <a:tr h="92566">
                 <a:tc vMerge="1">
@@ -5192,6 +5239,11 @@
                   </a:txBody>
                   <a:tcPr marL="23623" marR="23623" marT="0" marB="0"/>
                 </a:tc>
+                <a:extLst>
+                  <a:ext uri="{0D108BD9-81ED-4DB2-BD59-A6C34878D82A}">
+                    <a16:rowId xmlns:a16="http://schemas.microsoft.com/office/drawing/2014/main" val="10005"/>
+                  </a:ext>
+                </a:extLst>
               </a:tr>
               <a:tr h="92566">
                 <a:tc vMerge="1">
@@ -5332,6 +5384,11 @@
                   </a:txBody>
                   <a:tcPr marL="23623" marR="23623" marT="0" marB="0"/>
                 </a:tc>
+                <a:extLst>
+                  <a:ext uri="{0D108BD9-81ED-4DB2-BD59-A6C34878D82A}">
+                    <a16:rowId xmlns:a16="http://schemas.microsoft.com/office/drawing/2014/main" val="10006"/>
+                  </a:ext>
+                </a:extLst>
               </a:tr>
               <a:tr h="92566">
                 <a:tc vMerge="1">
@@ -5472,6 +5529,11 @@
                   </a:txBody>
                   <a:tcPr marL="23623" marR="23623" marT="0" marB="0"/>
                 </a:tc>
+                <a:extLst>
+                  <a:ext uri="{0D108BD9-81ED-4DB2-BD59-A6C34878D82A}">
+                    <a16:rowId xmlns:a16="http://schemas.microsoft.com/office/drawing/2014/main" val="10007"/>
+                  </a:ext>
+                </a:extLst>
               </a:tr>
               <a:tr h="92566">
                 <a:tc vMerge="1">
@@ -5612,6 +5674,11 @@
                   </a:txBody>
                   <a:tcPr marL="23623" marR="23623" marT="0" marB="0"/>
                 </a:tc>
+                <a:extLst>
+                  <a:ext uri="{0D108BD9-81ED-4DB2-BD59-A6C34878D82A}">
+                    <a16:rowId xmlns:a16="http://schemas.microsoft.com/office/drawing/2014/main" val="10008"/>
+                  </a:ext>
+                </a:extLst>
               </a:tr>
               <a:tr h="92566">
                 <a:tc vMerge="1">
@@ -5752,6 +5819,11 @@
                   </a:txBody>
                   <a:tcPr marL="23623" marR="23623" marT="0" marB="0"/>
                 </a:tc>
+                <a:extLst>
+                  <a:ext uri="{0D108BD9-81ED-4DB2-BD59-A6C34878D82A}">
+                    <a16:rowId xmlns:a16="http://schemas.microsoft.com/office/drawing/2014/main" val="10009"/>
+                  </a:ext>
+                </a:extLst>
               </a:tr>
               <a:tr h="92566">
                 <a:tc vMerge="1">
@@ -5892,6 +5964,11 @@
                   </a:txBody>
                   <a:tcPr marL="23623" marR="23623" marT="0" marB="0"/>
                 </a:tc>
+                <a:extLst>
+                  <a:ext uri="{0D108BD9-81ED-4DB2-BD59-A6C34878D82A}">
+                    <a16:rowId xmlns:a16="http://schemas.microsoft.com/office/drawing/2014/main" val="10010"/>
+                  </a:ext>
+                </a:extLst>
               </a:tr>
               <a:tr h="92566">
                 <a:tc vMerge="1">
@@ -6032,6 +6109,11 @@
                   </a:txBody>
                   <a:tcPr marL="23623" marR="23623" marT="0" marB="0"/>
                 </a:tc>
+                <a:extLst>
+                  <a:ext uri="{0D108BD9-81ED-4DB2-BD59-A6C34878D82A}">
+                    <a16:rowId xmlns:a16="http://schemas.microsoft.com/office/drawing/2014/main" val="10011"/>
+                  </a:ext>
+                </a:extLst>
               </a:tr>
               <a:tr h="0">
                 <a:tc vMerge="1">
@@ -6178,6 +6260,11 @@
                   </a:txBody>
                   <a:tcPr marL="23623" marR="23623" marT="0" marB="0"/>
                 </a:tc>
+                <a:extLst>
+                  <a:ext uri="{0D108BD9-81ED-4DB2-BD59-A6C34878D82A}">
+                    <a16:rowId xmlns:a16="http://schemas.microsoft.com/office/drawing/2014/main" val="10012"/>
+                  </a:ext>
+                </a:extLst>
               </a:tr>
               <a:tr h="156084">
                 <a:tc rowSpan="9">
@@ -6370,6 +6457,11 @@
                   </a:txBody>
                   <a:tcPr marL="23623" marR="23623" marT="0" marB="0"/>
                 </a:tc>
+                <a:extLst>
+                  <a:ext uri="{0D108BD9-81ED-4DB2-BD59-A6C34878D82A}">
+                    <a16:rowId xmlns:a16="http://schemas.microsoft.com/office/drawing/2014/main" val="10013"/>
+                  </a:ext>
+                </a:extLst>
               </a:tr>
               <a:tr h="104151">
                 <a:tc vMerge="1">
@@ -6510,6 +6602,11 @@
                   </a:txBody>
                   <a:tcPr marL="23623" marR="23623" marT="0" marB="0"/>
                 </a:tc>
+                <a:extLst>
+                  <a:ext uri="{0D108BD9-81ED-4DB2-BD59-A6C34878D82A}">
+                    <a16:rowId xmlns:a16="http://schemas.microsoft.com/office/drawing/2014/main" val="10014"/>
+                  </a:ext>
+                </a:extLst>
               </a:tr>
               <a:tr h="124217">
                 <a:tc vMerge="1">
@@ -6650,6 +6747,11 @@
                   </a:txBody>
                   <a:tcPr marL="23623" marR="23623" marT="0" marB="0"/>
                 </a:tc>
+                <a:extLst>
+                  <a:ext uri="{0D108BD9-81ED-4DB2-BD59-A6C34878D82A}">
+                    <a16:rowId xmlns:a16="http://schemas.microsoft.com/office/drawing/2014/main" val="10015"/>
+                  </a:ext>
+                </a:extLst>
               </a:tr>
               <a:tr h="156084">
                 <a:tc vMerge="1">
@@ -6790,6 +6892,11 @@
                   </a:txBody>
                   <a:tcPr marL="23623" marR="23623" marT="0" marB="0"/>
                 </a:tc>
+                <a:extLst>
+                  <a:ext uri="{0D108BD9-81ED-4DB2-BD59-A6C34878D82A}">
+                    <a16:rowId xmlns:a16="http://schemas.microsoft.com/office/drawing/2014/main" val="10016"/>
+                  </a:ext>
+                </a:extLst>
               </a:tr>
               <a:tr h="132979">
                 <a:tc vMerge="1">
@@ -6930,6 +7037,11 @@
                   </a:txBody>
                   <a:tcPr marL="23623" marR="23623" marT="0" marB="0"/>
                 </a:tc>
+                <a:extLst>
+                  <a:ext uri="{0D108BD9-81ED-4DB2-BD59-A6C34878D82A}">
+                    <a16:rowId xmlns:a16="http://schemas.microsoft.com/office/drawing/2014/main" val="10017"/>
+                  </a:ext>
+                </a:extLst>
               </a:tr>
               <a:tr h="156084">
                 <a:tc vMerge="1">
@@ -7082,6 +7194,11 @@
                   </a:txBody>
                   <a:tcPr marL="23623" marR="23623" marT="0" marB="0"/>
                 </a:tc>
+                <a:extLst>
+                  <a:ext uri="{0D108BD9-81ED-4DB2-BD59-A6C34878D82A}">
+                    <a16:rowId xmlns:a16="http://schemas.microsoft.com/office/drawing/2014/main" val="10018"/>
+                  </a:ext>
+                </a:extLst>
               </a:tr>
               <a:tr h="118236">
                 <a:tc vMerge="1">
@@ -7222,6 +7339,11 @@
                   </a:txBody>
                   <a:tcPr marL="23623" marR="23623" marT="0" marB="0"/>
                 </a:tc>
+                <a:extLst>
+                  <a:ext uri="{0D108BD9-81ED-4DB2-BD59-A6C34878D82A}">
+                    <a16:rowId xmlns:a16="http://schemas.microsoft.com/office/drawing/2014/main" val="10019"/>
+                  </a:ext>
+                </a:extLst>
               </a:tr>
               <a:tr h="156084">
                 <a:tc vMerge="1">
@@ -7362,6 +7484,11 @@
                   </a:txBody>
                   <a:tcPr marL="23623" marR="23623" marT="0" marB="0"/>
                 </a:tc>
+                <a:extLst>
+                  <a:ext uri="{0D108BD9-81ED-4DB2-BD59-A6C34878D82A}">
+                    <a16:rowId xmlns:a16="http://schemas.microsoft.com/office/drawing/2014/main" val="10020"/>
+                  </a:ext>
+                </a:extLst>
               </a:tr>
               <a:tr h="92566">
                 <a:tc vMerge="1">
@@ -7502,6 +7629,11 @@
                   </a:txBody>
                   <a:tcPr marL="23623" marR="23623" marT="0" marB="0"/>
                 </a:tc>
+                <a:extLst>
+                  <a:ext uri="{0D108BD9-81ED-4DB2-BD59-A6C34878D82A}">
+                    <a16:rowId xmlns:a16="http://schemas.microsoft.com/office/drawing/2014/main" val="10021"/>
+                  </a:ext>
+                </a:extLst>
               </a:tr>
               <a:tr h="140650">
                 <a:tc rowSpan="13">
@@ -7670,6 +7802,11 @@
                   </a:txBody>
                   <a:tcPr marL="23623" marR="23623" marT="0" marB="0"/>
                 </a:tc>
+                <a:extLst>
+                  <a:ext uri="{0D108BD9-81ED-4DB2-BD59-A6C34878D82A}">
+                    <a16:rowId xmlns:a16="http://schemas.microsoft.com/office/drawing/2014/main" val="10022"/>
+                  </a:ext>
+                </a:extLst>
               </a:tr>
               <a:tr h="156084">
                 <a:tc vMerge="1">
@@ -7810,6 +7947,11 @@
                   </a:txBody>
                   <a:tcPr marL="23623" marR="23623" marT="0" marB="0"/>
                 </a:tc>
+                <a:extLst>
+                  <a:ext uri="{0D108BD9-81ED-4DB2-BD59-A6C34878D82A}">
+                    <a16:rowId xmlns:a16="http://schemas.microsoft.com/office/drawing/2014/main" val="10023"/>
+                  </a:ext>
+                </a:extLst>
               </a:tr>
               <a:tr h="156084">
                 <a:tc vMerge="1">
@@ -7950,6 +8092,11 @@
                   </a:txBody>
                   <a:tcPr marL="23623" marR="23623" marT="0" marB="0"/>
                 </a:tc>
+                <a:extLst>
+                  <a:ext uri="{0D108BD9-81ED-4DB2-BD59-A6C34878D82A}">
+                    <a16:rowId xmlns:a16="http://schemas.microsoft.com/office/drawing/2014/main" val="10024"/>
+                  </a:ext>
+                </a:extLst>
               </a:tr>
               <a:tr h="156084">
                 <a:tc vMerge="1">
@@ -8090,6 +8237,11 @@
                   </a:txBody>
                   <a:tcPr marL="23623" marR="23623" marT="0" marB="0"/>
                 </a:tc>
+                <a:extLst>
+                  <a:ext uri="{0D108BD9-81ED-4DB2-BD59-A6C34878D82A}">
+                    <a16:rowId xmlns:a16="http://schemas.microsoft.com/office/drawing/2014/main" val="10025"/>
+                  </a:ext>
+                </a:extLst>
               </a:tr>
               <a:tr h="92566">
                 <a:tc vMerge="1">
@@ -8230,6 +8382,11 @@
                   </a:txBody>
                   <a:tcPr marL="23623" marR="23623" marT="0" marB="0"/>
                 </a:tc>
+                <a:extLst>
+                  <a:ext uri="{0D108BD9-81ED-4DB2-BD59-A6C34878D82A}">
+                    <a16:rowId xmlns:a16="http://schemas.microsoft.com/office/drawing/2014/main" val="10026"/>
+                  </a:ext>
+                </a:extLst>
               </a:tr>
               <a:tr h="92566">
                 <a:tc vMerge="1">
@@ -8370,6 +8527,11 @@
                   </a:txBody>
                   <a:tcPr marL="23623" marR="23623" marT="0" marB="0"/>
                 </a:tc>
+                <a:extLst>
+                  <a:ext uri="{0D108BD9-81ED-4DB2-BD59-A6C34878D82A}">
+                    <a16:rowId xmlns:a16="http://schemas.microsoft.com/office/drawing/2014/main" val="10027"/>
+                  </a:ext>
+                </a:extLst>
               </a:tr>
               <a:tr h="156084">
                 <a:tc vMerge="1">
@@ -8510,6 +8672,11 @@
                   </a:txBody>
                   <a:tcPr marL="23623" marR="23623" marT="0" marB="0"/>
                 </a:tc>
+                <a:extLst>
+                  <a:ext uri="{0D108BD9-81ED-4DB2-BD59-A6C34878D82A}">
+                    <a16:rowId xmlns:a16="http://schemas.microsoft.com/office/drawing/2014/main" val="10028"/>
+                  </a:ext>
+                </a:extLst>
               </a:tr>
               <a:tr h="235874">
                 <a:tc vMerge="1">
@@ -8650,6 +8817,11 @@
                   </a:txBody>
                   <a:tcPr marL="23623" marR="23623" marT="0" marB="0"/>
                 </a:tc>
+                <a:extLst>
+                  <a:ext uri="{0D108BD9-81ED-4DB2-BD59-A6C34878D82A}">
+                    <a16:rowId xmlns:a16="http://schemas.microsoft.com/office/drawing/2014/main" val="10029"/>
+                  </a:ext>
+                </a:extLst>
               </a:tr>
               <a:tr h="235874">
                 <a:tc vMerge="1">
@@ -8790,6 +8962,11 @@
                   </a:txBody>
                   <a:tcPr marL="23623" marR="23623" marT="0" marB="0"/>
                 </a:tc>
+                <a:extLst>
+                  <a:ext uri="{0D108BD9-81ED-4DB2-BD59-A6C34878D82A}">
+                    <a16:rowId xmlns:a16="http://schemas.microsoft.com/office/drawing/2014/main" val="10030"/>
+                  </a:ext>
+                </a:extLst>
               </a:tr>
               <a:tr h="120926">
                 <a:tc vMerge="1">
@@ -8930,6 +9107,11 @@
                   </a:txBody>
                   <a:tcPr marL="23623" marR="23623" marT="0" marB="0"/>
                 </a:tc>
+                <a:extLst>
+                  <a:ext uri="{0D108BD9-81ED-4DB2-BD59-A6C34878D82A}">
+                    <a16:rowId xmlns:a16="http://schemas.microsoft.com/office/drawing/2014/main" val="10031"/>
+                  </a:ext>
+                </a:extLst>
               </a:tr>
               <a:tr h="92566">
                 <a:tc vMerge="1">
@@ -9070,6 +9252,11 @@
                   </a:txBody>
                   <a:tcPr marL="23623" marR="23623" marT="0" marB="0"/>
                 </a:tc>
+                <a:extLst>
+                  <a:ext uri="{0D108BD9-81ED-4DB2-BD59-A6C34878D82A}">
+                    <a16:rowId xmlns:a16="http://schemas.microsoft.com/office/drawing/2014/main" val="10032"/>
+                  </a:ext>
+                </a:extLst>
               </a:tr>
               <a:tr h="92566">
                 <a:tc vMerge="1">
@@ -9210,6 +9397,11 @@
                   </a:txBody>
                   <a:tcPr marL="23623" marR="23623" marT="0" marB="0"/>
                 </a:tc>
+                <a:extLst>
+                  <a:ext uri="{0D108BD9-81ED-4DB2-BD59-A6C34878D82A}">
+                    <a16:rowId xmlns:a16="http://schemas.microsoft.com/office/drawing/2014/main" val="10033"/>
+                  </a:ext>
+                </a:extLst>
               </a:tr>
               <a:tr h="156084">
                 <a:tc vMerge="1">
@@ -9350,6 +9542,11 @@
                   </a:txBody>
                   <a:tcPr marL="23623" marR="23623" marT="0" marB="0"/>
                 </a:tc>
+                <a:extLst>
+                  <a:ext uri="{0D108BD9-81ED-4DB2-BD59-A6C34878D82A}">
+                    <a16:rowId xmlns:a16="http://schemas.microsoft.com/office/drawing/2014/main" val="10034"/>
+                  </a:ext>
+                </a:extLst>
               </a:tr>
               <a:tr h="164045">
                 <a:tc rowSpan="4">
@@ -9567,6 +9764,11 @@
                   </a:txBody>
                   <a:tcPr marL="23623" marR="23623" marT="0" marB="0" anchor="ctr"/>
                 </a:tc>
+                <a:extLst>
+                  <a:ext uri="{0D108BD9-81ED-4DB2-BD59-A6C34878D82A}">
+                    <a16:rowId xmlns:a16="http://schemas.microsoft.com/office/drawing/2014/main" val="10035"/>
+                  </a:ext>
+                </a:extLst>
               </a:tr>
               <a:tr h="106719">
                 <a:tc vMerge="1">
@@ -9707,6 +9909,11 @@
                   </a:txBody>
                   <a:tcPr marL="23623" marR="23623" marT="0" marB="0" anchor="ctr"/>
                 </a:tc>
+                <a:extLst>
+                  <a:ext uri="{0D108BD9-81ED-4DB2-BD59-A6C34878D82A}">
+                    <a16:rowId xmlns:a16="http://schemas.microsoft.com/office/drawing/2014/main" val="10036"/>
+                  </a:ext>
+                </a:extLst>
               </a:tr>
               <a:tr h="50869">
                 <a:tc vMerge="1">
@@ -9847,6 +10054,11 @@
                   </a:txBody>
                   <a:tcPr marL="23623" marR="23623" marT="0" marB="0" anchor="ctr"/>
                 </a:tc>
+                <a:extLst>
+                  <a:ext uri="{0D108BD9-81ED-4DB2-BD59-A6C34878D82A}">
+                    <a16:rowId xmlns:a16="http://schemas.microsoft.com/office/drawing/2014/main" val="10037"/>
+                  </a:ext>
+                </a:extLst>
               </a:tr>
               <a:tr h="313573">
                 <a:tc vMerge="1">
@@ -10003,6 +10215,11 @@
                   </a:txBody>
                   <a:tcPr marL="23623" marR="23623" marT="0" marB="0"/>
                 </a:tc>
+                <a:extLst>
+                  <a:ext uri="{0D108BD9-81ED-4DB2-BD59-A6C34878D82A}">
+                    <a16:rowId xmlns:a16="http://schemas.microsoft.com/office/drawing/2014/main" val="10038"/>
+                  </a:ext>
+                </a:extLst>
               </a:tr>
             </a:tbl>
           </a:graphicData>
@@ -10270,15 +10487,7 @@
             </a:r>
             <a:r>
               <a:rPr lang="es-VE" sz="1400" b="1" dirty="0" smtClean="0"/>
-              <a:t>$</a:t>
-            </a:r>
-            <a:r>
-              <a:rPr lang="es-VE" sz="1400" b="1" dirty="0" smtClean="0"/>
-              <a:t>450</a:t>
-            </a:r>
-            <a:r>
-              <a:rPr lang="es-VE" sz="1400" b="1" dirty="0" smtClean="0"/>
-              <a:t>,000</a:t>
+              <a:t>$450,000</a:t>
             </a:r>
             <a:endParaRPr lang="es-VE" sz="1400" dirty="0"/>
           </a:p>
@@ -10610,11 +10819,41 @@
                 <a:tableStyleId>{5C22544A-7EE6-4342-B048-85BDC9FD1C3A}</a:tableStyleId>
               </a:tblPr>
               <a:tblGrid>
-                <a:gridCol w="2185874"/>
-                <a:gridCol w="1992812"/>
-                <a:gridCol w="4152296"/>
-                <a:gridCol w="2195716"/>
-                <a:gridCol w="563866"/>
+                <a:gridCol w="2185874">
+                  <a:extLst>
+                    <a:ext uri="{9D8B030D-6E8A-4147-A177-3AD203B41FA5}">
+                      <a16:colId xmlns:a16="http://schemas.microsoft.com/office/drawing/2014/main" val="20000"/>
+                    </a:ext>
+                  </a:extLst>
+                </a:gridCol>
+                <a:gridCol w="1992812">
+                  <a:extLst>
+                    <a:ext uri="{9D8B030D-6E8A-4147-A177-3AD203B41FA5}">
+                      <a16:colId xmlns:a16="http://schemas.microsoft.com/office/drawing/2014/main" val="20001"/>
+                    </a:ext>
+                  </a:extLst>
+                </a:gridCol>
+                <a:gridCol w="4152296">
+                  <a:extLst>
+                    <a:ext uri="{9D8B030D-6E8A-4147-A177-3AD203B41FA5}">
+                      <a16:colId xmlns:a16="http://schemas.microsoft.com/office/drawing/2014/main" val="20002"/>
+                    </a:ext>
+                  </a:extLst>
+                </a:gridCol>
+                <a:gridCol w="2195716">
+                  <a:extLst>
+                    <a:ext uri="{9D8B030D-6E8A-4147-A177-3AD203B41FA5}">
+                      <a16:colId xmlns:a16="http://schemas.microsoft.com/office/drawing/2014/main" val="20003"/>
+                    </a:ext>
+                  </a:extLst>
+                </a:gridCol>
+                <a:gridCol w="563866">
+                  <a:extLst>
+                    <a:ext uri="{9D8B030D-6E8A-4147-A177-3AD203B41FA5}">
+                      <a16:colId xmlns:a16="http://schemas.microsoft.com/office/drawing/2014/main" val="20004"/>
+                    </a:ext>
+                  </a:extLst>
+                </a:gridCol>
               </a:tblGrid>
               <a:tr h="228600">
                 <a:tc>
@@ -10762,6 +11001,11 @@
                   </a:txBody>
                   <a:tcPr marL="11204" marR="11204" marT="0" marB="0" anchor="ctr"/>
                 </a:tc>
+                <a:extLst>
+                  <a:ext uri="{0D108BD9-81ED-4DB2-BD59-A6C34878D82A}">
+                    <a16:rowId xmlns:a16="http://schemas.microsoft.com/office/drawing/2014/main" val="10000"/>
+                  </a:ext>
+                </a:extLst>
               </a:tr>
               <a:tr h="685799">
                 <a:tc>
@@ -10909,6 +11153,11 @@
                   </a:txBody>
                   <a:tcPr marL="11204" marR="11204" marT="0" marB="0" anchor="ctr"/>
                 </a:tc>
+                <a:extLst>
+                  <a:ext uri="{0D108BD9-81ED-4DB2-BD59-A6C34878D82A}">
+                    <a16:rowId xmlns:a16="http://schemas.microsoft.com/office/drawing/2014/main" val="10001"/>
+                  </a:ext>
+                </a:extLst>
               </a:tr>
               <a:tr h="481987">
                 <a:tc>
@@ -11056,6 +11305,11 @@
                   </a:txBody>
                   <a:tcPr marL="11204" marR="11204" marT="0" marB="0" anchor="ctr"/>
                 </a:tc>
+                <a:extLst>
+                  <a:ext uri="{0D108BD9-81ED-4DB2-BD59-A6C34878D82A}">
+                    <a16:rowId xmlns:a16="http://schemas.microsoft.com/office/drawing/2014/main" val="10002"/>
+                  </a:ext>
+                </a:extLst>
               </a:tr>
               <a:tr h="481987">
                 <a:tc>
@@ -11203,6 +11457,11 @@
                   </a:txBody>
                   <a:tcPr marL="11204" marR="11204" marT="0" marB="0" anchor="ctr"/>
                 </a:tc>
+                <a:extLst>
+                  <a:ext uri="{0D108BD9-81ED-4DB2-BD59-A6C34878D82A}">
+                    <a16:rowId xmlns:a16="http://schemas.microsoft.com/office/drawing/2014/main" val="10003"/>
+                  </a:ext>
+                </a:extLst>
               </a:tr>
               <a:tr h="688554">
                 <a:tc>
@@ -11350,6 +11609,11 @@
                   </a:txBody>
                   <a:tcPr marL="11204" marR="11204" marT="0" marB="0" anchor="ctr"/>
                 </a:tc>
+                <a:extLst>
+                  <a:ext uri="{0D108BD9-81ED-4DB2-BD59-A6C34878D82A}">
+                    <a16:rowId xmlns:a16="http://schemas.microsoft.com/office/drawing/2014/main" val="10004"/>
+                  </a:ext>
+                </a:extLst>
               </a:tr>
               <a:tr h="445588">
                 <a:tc>
@@ -11497,6 +11761,11 @@
                   </a:txBody>
                   <a:tcPr marL="11204" marR="11204" marT="0" marB="0" anchor="ctr"/>
                 </a:tc>
+                <a:extLst>
+                  <a:ext uri="{0D108BD9-81ED-4DB2-BD59-A6C34878D82A}">
+                    <a16:rowId xmlns:a16="http://schemas.microsoft.com/office/drawing/2014/main" val="10005"/>
+                  </a:ext>
+                </a:extLst>
               </a:tr>
               <a:tr h="619699">
                 <a:tc>
@@ -11644,6 +11913,11 @@
                   </a:txBody>
                   <a:tcPr marL="11204" marR="11204" marT="0" marB="0" anchor="ctr"/>
                 </a:tc>
+                <a:extLst>
+                  <a:ext uri="{0D108BD9-81ED-4DB2-BD59-A6C34878D82A}">
+                    <a16:rowId xmlns:a16="http://schemas.microsoft.com/office/drawing/2014/main" val="10006"/>
+                  </a:ext>
+                </a:extLst>
               </a:tr>
               <a:tr h="819641">
                 <a:tc>
@@ -11791,6 +12065,11 @@
                   </a:txBody>
                   <a:tcPr marL="11204" marR="11204" marT="0" marB="0" anchor="ctr"/>
                 </a:tc>
+                <a:extLst>
+                  <a:ext uri="{0D108BD9-81ED-4DB2-BD59-A6C34878D82A}">
+                    <a16:rowId xmlns:a16="http://schemas.microsoft.com/office/drawing/2014/main" val="10007"/>
+                  </a:ext>
+                </a:extLst>
               </a:tr>
               <a:tr h="146344">
                 <a:tc>
@@ -11938,6 +12217,11 @@
                   </a:txBody>
                   <a:tcPr marL="11204" marR="11204" marT="0" marB="0" anchor="ctr"/>
                 </a:tc>
+                <a:extLst>
+                  <a:ext uri="{0D108BD9-81ED-4DB2-BD59-A6C34878D82A}">
+                    <a16:rowId xmlns:a16="http://schemas.microsoft.com/office/drawing/2014/main" val="10008"/>
+                  </a:ext>
+                </a:extLst>
               </a:tr>
               <a:tr h="221155">
                 <a:tc>
@@ -12085,6 +12369,11 @@
                   </a:txBody>
                   <a:tcPr marL="11204" marR="11204" marT="0" marB="0" anchor="ctr"/>
                 </a:tc>
+                <a:extLst>
+                  <a:ext uri="{0D108BD9-81ED-4DB2-BD59-A6C34878D82A}">
+                    <a16:rowId xmlns:a16="http://schemas.microsoft.com/office/drawing/2014/main" val="10009"/>
+                  </a:ext>
+                </a:extLst>
               </a:tr>
               <a:tr h="520399">
                 <a:tc>
@@ -12232,6 +12521,11 @@
                   </a:txBody>
                   <a:tcPr marL="11204" marR="11204" marT="0" marB="0" anchor="ctr"/>
                 </a:tc>
+                <a:extLst>
+                  <a:ext uri="{0D108BD9-81ED-4DB2-BD59-A6C34878D82A}">
+                    <a16:rowId xmlns:a16="http://schemas.microsoft.com/office/drawing/2014/main" val="10010"/>
+                  </a:ext>
+                </a:extLst>
               </a:tr>
             </a:tbl>
           </a:graphicData>
@@ -12358,10 +12652,34 @@
                 <a:tableStyleId>{5C22544A-7EE6-4342-B048-85BDC9FD1C3A}</a:tableStyleId>
               </a:tblPr>
               <a:tblGrid>
-                <a:gridCol w="3134594"/>
-                <a:gridCol w="2053087"/>
-                <a:gridCol w="1170301"/>
-                <a:gridCol w="2286016"/>
+                <a:gridCol w="3134594">
+                  <a:extLst>
+                    <a:ext uri="{9D8B030D-6E8A-4147-A177-3AD203B41FA5}">
+                      <a16:colId xmlns:a16="http://schemas.microsoft.com/office/drawing/2014/main" val="20000"/>
+                    </a:ext>
+                  </a:extLst>
+                </a:gridCol>
+                <a:gridCol w="2053087">
+                  <a:extLst>
+                    <a:ext uri="{9D8B030D-6E8A-4147-A177-3AD203B41FA5}">
+                      <a16:colId xmlns:a16="http://schemas.microsoft.com/office/drawing/2014/main" val="20001"/>
+                    </a:ext>
+                  </a:extLst>
+                </a:gridCol>
+                <a:gridCol w="1170301">
+                  <a:extLst>
+                    <a:ext uri="{9D8B030D-6E8A-4147-A177-3AD203B41FA5}">
+                      <a16:colId xmlns:a16="http://schemas.microsoft.com/office/drawing/2014/main" val="20002"/>
+                    </a:ext>
+                  </a:extLst>
+                </a:gridCol>
+                <a:gridCol w="2286016">
+                  <a:extLst>
+                    <a:ext uri="{9D8B030D-6E8A-4147-A177-3AD203B41FA5}">
+                      <a16:colId xmlns:a16="http://schemas.microsoft.com/office/drawing/2014/main" val="20003"/>
+                    </a:ext>
+                  </a:extLst>
+                </a:gridCol>
               </a:tblGrid>
               <a:tr h="357190">
                 <a:tc>
@@ -12428,6 +12746,11 @@
                   </a:txBody>
                   <a:tcPr/>
                 </a:tc>
+                <a:extLst>
+                  <a:ext uri="{0D108BD9-81ED-4DB2-BD59-A6C34878D82A}">
+                    <a16:rowId xmlns:a16="http://schemas.microsoft.com/office/drawing/2014/main" val="10000"/>
+                  </a:ext>
+                </a:extLst>
               </a:tr>
               <a:tr h="357190">
                 <a:tc>
@@ -12491,14 +12814,6 @@
                         </a:rPr>
                         <a:t>11/14/2018</a:t>
                       </a:r>
-                      <a:endParaRPr lang="es-VE" sz="1400" b="0" kern="1200" dirty="0" smtClean="0">
-                        <a:solidFill>
-                          <a:srgbClr val="00B050"/>
-                        </a:solidFill>
-                        <a:latin typeface="+mn-lt"/>
-                        <a:ea typeface="+mn-ea"/>
-                        <a:cs typeface="+mn-cs"/>
-                      </a:endParaRPr>
                     </a:p>
                   </a:txBody>
                   <a:tcPr/>
@@ -12524,6 +12839,11 @@
                   </a:txBody>
                   <a:tcPr/>
                 </a:tc>
+                <a:extLst>
+                  <a:ext uri="{0D108BD9-81ED-4DB2-BD59-A6C34878D82A}">
+                    <a16:rowId xmlns:a16="http://schemas.microsoft.com/office/drawing/2014/main" val="10001"/>
+                  </a:ext>
+                </a:extLst>
               </a:tr>
               <a:tr h="357190">
                 <a:tc>
@@ -12595,6 +12915,11 @@
                   </a:txBody>
                   <a:tcPr/>
                 </a:tc>
+                <a:extLst>
+                  <a:ext uri="{0D108BD9-81ED-4DB2-BD59-A6C34878D82A}">
+                    <a16:rowId xmlns:a16="http://schemas.microsoft.com/office/drawing/2014/main" val="10002"/>
+                  </a:ext>
+                </a:extLst>
               </a:tr>
             </a:tbl>
           </a:graphicData>
@@ -12684,14 +13009,14 @@
           <p:nvPr>
             <p:extLst>
               <p:ext uri="{D42A27DB-BD31-4B8C-83A1-F6EECF244321}">
-                <p14:modId xmlns:p14="http://schemas.microsoft.com/office/powerpoint/2010/main" val="540724980"/>
+                <p14:modId xmlns:p14="http://schemas.microsoft.com/office/powerpoint/2010/main" val="4211230849"/>
               </p:ext>
             </p:extLst>
           </p:nvPr>
         </p:nvGraphicFramePr>
         <p:xfrm>
           <a:off x="1676400" y="1892058"/>
-          <a:ext cx="8673634" cy="3584502"/>
+          <a:ext cx="8673634" cy="3574406"/>
         </p:xfrm>
         <a:graphic>
           <a:graphicData uri="http://schemas.openxmlformats.org/drawingml/2006/table">
@@ -12700,12 +13025,48 @@
                 <a:tableStyleId>{5C22544A-7EE6-4342-B048-85BDC9FD1C3A}</a:tableStyleId>
               </a:tblPr>
               <a:tblGrid>
-                <a:gridCol w="1911927"/>
-                <a:gridCol w="1052946"/>
-                <a:gridCol w="2860963"/>
-                <a:gridCol w="1094509"/>
-                <a:gridCol w="990600"/>
-                <a:gridCol w="762689"/>
+                <a:gridCol w="1911927">
+                  <a:extLst>
+                    <a:ext uri="{9D8B030D-6E8A-4147-A177-3AD203B41FA5}">
+                      <a16:colId xmlns:a16="http://schemas.microsoft.com/office/drawing/2014/main" val="20000"/>
+                    </a:ext>
+                  </a:extLst>
+                </a:gridCol>
+                <a:gridCol w="1052946">
+                  <a:extLst>
+                    <a:ext uri="{9D8B030D-6E8A-4147-A177-3AD203B41FA5}">
+                      <a16:colId xmlns:a16="http://schemas.microsoft.com/office/drawing/2014/main" val="20001"/>
+                    </a:ext>
+                  </a:extLst>
+                </a:gridCol>
+                <a:gridCol w="2860963">
+                  <a:extLst>
+                    <a:ext uri="{9D8B030D-6E8A-4147-A177-3AD203B41FA5}">
+                      <a16:colId xmlns:a16="http://schemas.microsoft.com/office/drawing/2014/main" val="20002"/>
+                    </a:ext>
+                  </a:extLst>
+                </a:gridCol>
+                <a:gridCol w="1094509">
+                  <a:extLst>
+                    <a:ext uri="{9D8B030D-6E8A-4147-A177-3AD203B41FA5}">
+                      <a16:colId xmlns:a16="http://schemas.microsoft.com/office/drawing/2014/main" val="20003"/>
+                    </a:ext>
+                  </a:extLst>
+                </a:gridCol>
+                <a:gridCol w="990600">
+                  <a:extLst>
+                    <a:ext uri="{9D8B030D-6E8A-4147-A177-3AD203B41FA5}">
+                      <a16:colId xmlns:a16="http://schemas.microsoft.com/office/drawing/2014/main" val="20004"/>
+                    </a:ext>
+                  </a:extLst>
+                </a:gridCol>
+                <a:gridCol w="762689">
+                  <a:extLst>
+                    <a:ext uri="{9D8B030D-6E8A-4147-A177-3AD203B41FA5}">
+                      <a16:colId xmlns:a16="http://schemas.microsoft.com/office/drawing/2014/main" val="20005"/>
+                    </a:ext>
+                  </a:extLst>
+                </a:gridCol>
               </a:tblGrid>
               <a:tr h="607302">
                 <a:tc>
@@ -12802,6 +13163,11 @@
                   </a:txBody>
                   <a:tcPr/>
                 </a:tc>
+                <a:extLst>
+                  <a:ext uri="{0D108BD9-81ED-4DB2-BD59-A6C34878D82A}">
+                    <a16:rowId xmlns:a16="http://schemas.microsoft.com/office/drawing/2014/main" val="10000"/>
+                  </a:ext>
+                </a:extLst>
               </a:tr>
               <a:tr h="357190">
                 <a:tc>
@@ -12873,14 +13239,6 @@
                         </a:rPr>
                         <a:t>7/13/2018</a:t>
                       </a:r>
-                      <a:endParaRPr lang="es-VE" sz="1400" kern="1200" baseline="0" dirty="0" smtClean="0">
-                        <a:solidFill>
-                          <a:srgbClr val="00B050"/>
-                        </a:solidFill>
-                        <a:latin typeface="+mn-lt"/>
-                        <a:ea typeface="+mn-ea"/>
-                        <a:cs typeface="+mn-cs"/>
-                      </a:endParaRPr>
                     </a:p>
                   </a:txBody>
                   <a:tcPr marL="68580" marR="68580" marT="0" marB="0"/>
@@ -12962,7 +13320,7 @@
                     <a:bodyPr/>
                     <a:lstStyle/>
                     <a:p>
-                      <a:pPr>
+                      <a:pPr algn="ctr">
                         <a:lnSpc>
                           <a:spcPct val="107000"/>
                         </a:lnSpc>
@@ -13018,6 +13376,11 @@
                   </a:txBody>
                   <a:tcPr marL="68580" marR="68580" marT="0" marB="0"/>
                 </a:tc>
+                <a:extLst>
+                  <a:ext uri="{0D108BD9-81ED-4DB2-BD59-A6C34878D82A}">
+                    <a16:rowId xmlns:a16="http://schemas.microsoft.com/office/drawing/2014/main" val="10001"/>
+                  </a:ext>
+                </a:extLst>
               </a:tr>
               <a:tr h="357190">
                 <a:tc>
@@ -13098,14 +13461,6 @@
                         </a:rPr>
                         <a:t>7/14/2018</a:t>
                       </a:r>
-                      <a:endParaRPr lang="es-VE" sz="1400" kern="1200" baseline="0" dirty="0" smtClean="0">
-                        <a:solidFill>
-                          <a:srgbClr val="00B050"/>
-                        </a:solidFill>
-                        <a:latin typeface="+mn-lt"/>
-                        <a:ea typeface="+mn-ea"/>
-                        <a:cs typeface="+mn-cs"/>
-                      </a:endParaRPr>
                     </a:p>
                   </a:txBody>
                   <a:tcPr marL="68580" marR="68580" marT="0" marB="0"/>
@@ -13172,14 +13527,6 @@
                         </a:rPr>
                         <a:t>NI</a:t>
                       </a:r>
-                      <a:endParaRPr lang="es-VE" sz="1400" kern="1200" dirty="0" smtClean="0">
-                        <a:solidFill>
-                          <a:srgbClr val="00B050"/>
-                        </a:solidFill>
-                        <a:latin typeface="+mn-lt"/>
-                        <a:ea typeface="+mn-ea"/>
-                        <a:cs typeface="+mn-cs"/>
-                      </a:endParaRPr>
                     </a:p>
                   </a:txBody>
                   <a:tcPr marL="68580" marR="68580" marT="0" marB="0"/>
@@ -13201,14 +13548,6 @@
                         </a:rPr>
                         <a:t>PM</a:t>
                       </a:r>
-                      <a:endParaRPr lang="es-VE" sz="1400" kern="1200" dirty="0" smtClean="0">
-                        <a:solidFill>
-                          <a:srgbClr val="00B050"/>
-                        </a:solidFill>
-                        <a:latin typeface="+mn-lt"/>
-                        <a:ea typeface="+mn-ea"/>
-                        <a:cs typeface="+mn-cs"/>
-                      </a:endParaRPr>
                     </a:p>
                   </a:txBody>
                   <a:tcPr marL="68580" marR="68580" marT="0" marB="0"/>
@@ -13247,6 +13586,11 @@
                   </a:txBody>
                   <a:tcPr marL="68580" marR="68580" marT="0" marB="0"/>
                 </a:tc>
+                <a:extLst>
+                  <a:ext uri="{0D108BD9-81ED-4DB2-BD59-A6C34878D82A}">
+                    <a16:rowId xmlns:a16="http://schemas.microsoft.com/office/drawing/2014/main" val="10002"/>
+                  </a:ext>
+                </a:extLst>
               </a:tr>
               <a:tr h="357190">
                 <a:tc>
@@ -13327,14 +13671,6 @@
                         </a:rPr>
                         <a:t>7/14/2018</a:t>
                       </a:r>
-                      <a:endParaRPr lang="es-VE" sz="1400" kern="1200" baseline="0" dirty="0" smtClean="0">
-                        <a:solidFill>
-                          <a:srgbClr val="00B050"/>
-                        </a:solidFill>
-                        <a:latin typeface="+mn-lt"/>
-                        <a:ea typeface="+mn-ea"/>
-                        <a:cs typeface="+mn-cs"/>
-                      </a:endParaRPr>
                     </a:p>
                   </a:txBody>
                   <a:tcPr marL="68580" marR="68580" marT="0" marB="0"/>
@@ -13401,14 +13737,6 @@
                         </a:rPr>
                         <a:t>NI</a:t>
                       </a:r>
-                      <a:endParaRPr lang="es-VE" sz="1400" kern="1200" dirty="0" smtClean="0">
-                        <a:solidFill>
-                          <a:srgbClr val="00B050"/>
-                        </a:solidFill>
-                        <a:latin typeface="+mn-lt"/>
-                        <a:ea typeface="+mn-ea"/>
-                        <a:cs typeface="+mn-cs"/>
-                      </a:endParaRPr>
                     </a:p>
                   </a:txBody>
                   <a:tcPr marL="68580" marR="68580" marT="0" marB="0"/>
@@ -13430,14 +13758,6 @@
                         </a:rPr>
                         <a:t>PM</a:t>
                       </a:r>
-                      <a:endParaRPr lang="es-VE" sz="1400" kern="1200" dirty="0" smtClean="0">
-                        <a:solidFill>
-                          <a:srgbClr val="00B050"/>
-                        </a:solidFill>
-                        <a:latin typeface="+mn-lt"/>
-                        <a:ea typeface="+mn-ea"/>
-                        <a:cs typeface="+mn-cs"/>
-                      </a:endParaRPr>
                     </a:p>
                   </a:txBody>
                   <a:tcPr marL="68580" marR="68580" marT="0" marB="0"/>
@@ -13476,6 +13796,11 @@
                   </a:txBody>
                   <a:tcPr marL="68580" marR="68580" marT="0" marB="0"/>
                 </a:tc>
+                <a:extLst>
+                  <a:ext uri="{0D108BD9-81ED-4DB2-BD59-A6C34878D82A}">
+                    <a16:rowId xmlns:a16="http://schemas.microsoft.com/office/drawing/2014/main" val="10003"/>
+                  </a:ext>
+                </a:extLst>
               </a:tr>
               <a:tr h="357190">
                 <a:tc>
@@ -13583,6 +13908,11 @@
                   </a:txBody>
                   <a:tcPr/>
                 </a:tc>
+                <a:extLst>
+                  <a:ext uri="{0D108BD9-81ED-4DB2-BD59-A6C34878D82A}">
+                    <a16:rowId xmlns:a16="http://schemas.microsoft.com/office/drawing/2014/main" val="10004"/>
+                  </a:ext>
+                </a:extLst>
               </a:tr>
             </a:tbl>
           </a:graphicData>
@@ -13753,7 +14083,7 @@
           <p:cNvPr id="2" name="Título 1">
             <a:extLst>
               <a:ext uri="{FF2B5EF4-FFF2-40B4-BE49-F238E27FC236}">
-                <a16:creationId xmlns:a16="http://schemas.microsoft.com/office/drawing/2014/main" xmlns="" id="{4C5CFB34-A80A-4251-97D8-E309BCCBF128}"/>
+                <a16:creationId xmlns:a16="http://schemas.microsoft.com/office/drawing/2014/main" id="{4C5CFB34-A80A-4251-97D8-E309BCCBF128}"/>
               </a:ext>
             </a:extLst>
           </p:cNvPr>
@@ -13815,11 +14145,41 @@
                 <a:tableStyleId>{5C22544A-7EE6-4342-B048-85BDC9FD1C3A}</a:tableStyleId>
               </a:tblPr>
               <a:tblGrid>
-                <a:gridCol w="1928826"/>
-                <a:gridCol w="1928826"/>
-                <a:gridCol w="1714512"/>
-                <a:gridCol w="1815586"/>
-                <a:gridCol w="1285884"/>
+                <a:gridCol w="1928826">
+                  <a:extLst>
+                    <a:ext uri="{9D8B030D-6E8A-4147-A177-3AD203B41FA5}">
+                      <a16:colId xmlns:a16="http://schemas.microsoft.com/office/drawing/2014/main" val="20000"/>
+                    </a:ext>
+                  </a:extLst>
+                </a:gridCol>
+                <a:gridCol w="1928826">
+                  <a:extLst>
+                    <a:ext uri="{9D8B030D-6E8A-4147-A177-3AD203B41FA5}">
+                      <a16:colId xmlns:a16="http://schemas.microsoft.com/office/drawing/2014/main" val="20001"/>
+                    </a:ext>
+                  </a:extLst>
+                </a:gridCol>
+                <a:gridCol w="1714512">
+                  <a:extLst>
+                    <a:ext uri="{9D8B030D-6E8A-4147-A177-3AD203B41FA5}">
+                      <a16:colId xmlns:a16="http://schemas.microsoft.com/office/drawing/2014/main" val="20002"/>
+                    </a:ext>
+                  </a:extLst>
+                </a:gridCol>
+                <a:gridCol w="1815586">
+                  <a:extLst>
+                    <a:ext uri="{9D8B030D-6E8A-4147-A177-3AD203B41FA5}">
+                      <a16:colId xmlns:a16="http://schemas.microsoft.com/office/drawing/2014/main" val="20003"/>
+                    </a:ext>
+                  </a:extLst>
+                </a:gridCol>
+                <a:gridCol w="1285884">
+                  <a:extLst>
+                    <a:ext uri="{9D8B030D-6E8A-4147-A177-3AD203B41FA5}">
+                      <a16:colId xmlns:a16="http://schemas.microsoft.com/office/drawing/2014/main" val="20004"/>
+                    </a:ext>
+                  </a:extLst>
+                </a:gridCol>
               </a:tblGrid>
               <a:tr h="357190">
                 <a:tc>
@@ -13901,6 +14261,11 @@
                   </a:txBody>
                   <a:tcPr/>
                 </a:tc>
+                <a:extLst>
+                  <a:ext uri="{0D108BD9-81ED-4DB2-BD59-A6C34878D82A}">
+                    <a16:rowId xmlns:a16="http://schemas.microsoft.com/office/drawing/2014/main" val="10000"/>
+                  </a:ext>
+                </a:extLst>
               </a:tr>
               <a:tr h="357190">
                 <a:tc>
@@ -14010,6 +14375,11 @@
                   </a:txBody>
                   <a:tcPr/>
                 </a:tc>
+                <a:extLst>
+                  <a:ext uri="{0D108BD9-81ED-4DB2-BD59-A6C34878D82A}">
+                    <a16:rowId xmlns:a16="http://schemas.microsoft.com/office/drawing/2014/main" val="10001"/>
+                  </a:ext>
+                </a:extLst>
               </a:tr>
               <a:tr h="357190">
                 <a:tc>
@@ -14099,6 +14469,11 @@
                   </a:txBody>
                   <a:tcPr/>
                 </a:tc>
+                <a:extLst>
+                  <a:ext uri="{0D108BD9-81ED-4DB2-BD59-A6C34878D82A}">
+                    <a16:rowId xmlns:a16="http://schemas.microsoft.com/office/drawing/2014/main" val="10002"/>
+                  </a:ext>
+                </a:extLst>
               </a:tr>
               <a:tr h="357190">
                 <a:tc>
@@ -14188,6 +14563,11 @@
                   </a:txBody>
                   <a:tcPr/>
                 </a:tc>
+                <a:extLst>
+                  <a:ext uri="{0D108BD9-81ED-4DB2-BD59-A6C34878D82A}">
+                    <a16:rowId xmlns:a16="http://schemas.microsoft.com/office/drawing/2014/main" val="10003"/>
+                  </a:ext>
+                </a:extLst>
               </a:tr>
               <a:tr h="357190">
                 <a:tc>
@@ -14277,6 +14657,11 @@
                   </a:txBody>
                   <a:tcPr/>
                 </a:tc>
+                <a:extLst>
+                  <a:ext uri="{0D108BD9-81ED-4DB2-BD59-A6C34878D82A}">
+                    <a16:rowId xmlns:a16="http://schemas.microsoft.com/office/drawing/2014/main" val="10004"/>
+                  </a:ext>
+                </a:extLst>
               </a:tr>
               <a:tr h="357190">
                 <a:tc>
@@ -14366,6 +14751,11 @@
                   </a:txBody>
                   <a:tcPr/>
                 </a:tc>
+                <a:extLst>
+                  <a:ext uri="{0D108BD9-81ED-4DB2-BD59-A6C34878D82A}">
+                    <a16:rowId xmlns:a16="http://schemas.microsoft.com/office/drawing/2014/main" val="10005"/>
+                  </a:ext>
+                </a:extLst>
               </a:tr>
             </a:tbl>
           </a:graphicData>

--- a/Monitoreo y Control.pptx
+++ b/Monitoreo y Control.pptx
@@ -5,19 +5,17 @@
     <p:sldMasterId id="2147483648" r:id="rId1"/>
   </p:sldMasterIdLst>
   <p:notesMasterIdLst>
-    <p:notesMasterId r:id="rId12"/>
+    <p:notesMasterId r:id="rId10"/>
   </p:notesMasterIdLst>
   <p:sldIdLst>
     <p:sldId id="257" r:id="rId2"/>
     <p:sldId id="258" r:id="rId3"/>
     <p:sldId id="259" r:id="rId4"/>
-    <p:sldId id="260" r:id="rId5"/>
-    <p:sldId id="261" r:id="rId6"/>
-    <p:sldId id="262" r:id="rId7"/>
-    <p:sldId id="263" r:id="rId8"/>
-    <p:sldId id="265" r:id="rId9"/>
-    <p:sldId id="264" r:id="rId10"/>
-    <p:sldId id="268" r:id="rId11"/>
+    <p:sldId id="261" r:id="rId5"/>
+    <p:sldId id="262" r:id="rId6"/>
+    <p:sldId id="263" r:id="rId7"/>
+    <p:sldId id="265" r:id="rId8"/>
+    <p:sldId id="268" r:id="rId9"/>
   </p:sldIdLst>
   <p:sldSz cx="12192000" cy="6858000"/>
   <p:notesSz cx="6858000" cy="9144000"/>
@@ -365,7 +363,7 @@
           <a:p>
             <a:fld id="{09A7EB5C-7C07-7646-925E-9C5C7B4A0A1C}" type="slidenum">
               <a:rPr lang="es-ES_tradnl" smtClean="0"/>
-              <a:t>‹Nº›</a:t>
+              <a:t>‹#›</a:t>
             </a:fld>
             <a:endParaRPr lang="es-ES_tradnl"/>
           </a:p>
@@ -566,98 +564,6 @@
 </p:notes>
 </file>
 
-<file path=ppt/notesSlides/notesSlide2.xml><?xml version="1.0" encoding="utf-8"?>
-<p:notes xmlns:a="http://schemas.openxmlformats.org/drawingml/2006/main" xmlns:r="http://schemas.openxmlformats.org/officeDocument/2006/relationships" xmlns:p="http://schemas.openxmlformats.org/presentationml/2006/main">
-  <p:cSld>
-    <p:spTree>
-      <p:nvGrpSpPr>
-        <p:cNvPr id="1" name=""/>
-        <p:cNvGrpSpPr/>
-        <p:nvPr/>
-      </p:nvGrpSpPr>
-      <p:grpSpPr>
-        <a:xfrm>
-          <a:off x="0" y="0"/>
-          <a:ext cx="0" cy="0"/>
-          <a:chOff x="0" y="0"/>
-          <a:chExt cx="0" cy="0"/>
-        </a:xfrm>
-      </p:grpSpPr>
-      <p:sp>
-        <p:nvSpPr>
-          <p:cNvPr id="2" name="1 Marcador de imagen de diapositiva"/>
-          <p:cNvSpPr>
-            <a:spLocks noGrp="1" noRot="1" noChangeAspect="1"/>
-          </p:cNvSpPr>
-          <p:nvPr>
-            <p:ph type="sldImg"/>
-          </p:nvPr>
-        </p:nvSpPr>
-        <p:spPr/>
-      </p:sp>
-      <p:sp>
-        <p:nvSpPr>
-          <p:cNvPr id="3" name="2 Marcador de notas"/>
-          <p:cNvSpPr>
-            <a:spLocks noGrp="1"/>
-          </p:cNvSpPr>
-          <p:nvPr>
-            <p:ph type="body" idx="1"/>
-          </p:nvPr>
-        </p:nvSpPr>
-        <p:spPr/>
-        <p:txBody>
-          <a:bodyPr>
-            <a:normAutofit/>
-          </a:bodyPr>
-          <a:lstStyle/>
-          <a:p>
-            <a:endParaRPr lang="es-MX" dirty="0"/>
-          </a:p>
-        </p:txBody>
-      </p:sp>
-      <p:sp>
-        <p:nvSpPr>
-          <p:cNvPr id="4" name="3 Marcador de número de diapositiva"/>
-          <p:cNvSpPr>
-            <a:spLocks noGrp="1"/>
-          </p:cNvSpPr>
-          <p:nvPr>
-            <p:ph type="sldNum" sz="quarter" idx="10"/>
-          </p:nvPr>
-        </p:nvSpPr>
-        <p:spPr/>
-        <p:txBody>
-          <a:bodyPr/>
-          <a:lstStyle/>
-          <a:p>
-            <a:pPr>
-              <a:defRPr/>
-            </a:pPr>
-            <a:fld id="{2FA6CC74-DCE2-49DA-83CF-41934AA0A243}" type="slidenum">
-              <a:rPr lang="es-MX" smtClean="0"/>
-              <a:pPr>
-                <a:defRPr/>
-              </a:pPr>
-              <a:t>4</a:t>
-            </a:fld>
-            <a:endParaRPr lang="es-MX"/>
-          </a:p>
-        </p:txBody>
-      </p:sp>
-    </p:spTree>
-    <p:extLst>
-      <p:ext uri="{BB962C8B-B14F-4D97-AF65-F5344CB8AC3E}">
-        <p14:creationId xmlns:p14="http://schemas.microsoft.com/office/powerpoint/2010/main" val="437601492"/>
-      </p:ext>
-    </p:extLst>
-  </p:cSld>
-  <p:clrMapOvr>
-    <a:masterClrMapping/>
-  </p:clrMapOvr>
-</p:notes>
-</file>
-
 <file path=ppt/slideLayouts/slideLayout1.xml><?xml version="1.0" encoding="utf-8"?>
 <p:sldLayout xmlns:a="http://schemas.openxmlformats.org/drawingml/2006/main" xmlns:r="http://schemas.openxmlformats.org/officeDocument/2006/relationships" xmlns:p="http://schemas.openxmlformats.org/presentationml/2006/main" type="title" preserve="1">
   <p:cSld name="Diapositiva de título">
@@ -831,7 +737,7 @@
           <a:p>
             <a:fld id="{90361390-4E53-E84E-AD55-1B7C77486D52}" type="slidenum">
               <a:rPr lang="es-ES_tradnl" smtClean="0"/>
-              <a:t>‹Nº›</a:t>
+              <a:t>‹#›</a:t>
             </a:fld>
             <a:endParaRPr lang="es-ES_tradnl"/>
           </a:p>
@@ -1001,7 +907,7 @@
           <a:p>
             <a:fld id="{90361390-4E53-E84E-AD55-1B7C77486D52}" type="slidenum">
               <a:rPr lang="es-ES_tradnl" smtClean="0"/>
-              <a:t>‹Nº›</a:t>
+              <a:t>‹#›</a:t>
             </a:fld>
             <a:endParaRPr lang="es-ES_tradnl"/>
           </a:p>
@@ -1181,7 +1087,7 @@
           <a:p>
             <a:fld id="{90361390-4E53-E84E-AD55-1B7C77486D52}" type="slidenum">
               <a:rPr lang="es-ES_tradnl" smtClean="0"/>
-              <a:t>‹Nº›</a:t>
+              <a:t>‹#›</a:t>
             </a:fld>
             <a:endParaRPr lang="es-ES_tradnl"/>
           </a:p>
@@ -1351,7 +1257,7 @@
           <a:p>
             <a:fld id="{90361390-4E53-E84E-AD55-1B7C77486D52}" type="slidenum">
               <a:rPr lang="es-ES_tradnl" smtClean="0"/>
-              <a:t>‹Nº›</a:t>
+              <a:t>‹#›</a:t>
             </a:fld>
             <a:endParaRPr lang="es-ES_tradnl"/>
           </a:p>
@@ -1597,7 +1503,7 @@
           <a:p>
             <a:fld id="{90361390-4E53-E84E-AD55-1B7C77486D52}" type="slidenum">
               <a:rPr lang="es-ES_tradnl" smtClean="0"/>
-              <a:t>‹Nº›</a:t>
+              <a:t>‹#›</a:t>
             </a:fld>
             <a:endParaRPr lang="es-ES_tradnl"/>
           </a:p>
@@ -1829,7 +1735,7 @@
           <a:p>
             <a:fld id="{90361390-4E53-E84E-AD55-1B7C77486D52}" type="slidenum">
               <a:rPr lang="es-ES_tradnl" smtClean="0"/>
-              <a:t>‹Nº›</a:t>
+              <a:t>‹#›</a:t>
             </a:fld>
             <a:endParaRPr lang="es-ES_tradnl"/>
           </a:p>
@@ -2196,7 +2102,7 @@
           <a:p>
             <a:fld id="{90361390-4E53-E84E-AD55-1B7C77486D52}" type="slidenum">
               <a:rPr lang="es-ES_tradnl" smtClean="0"/>
-              <a:t>‹Nº›</a:t>
+              <a:t>‹#›</a:t>
             </a:fld>
             <a:endParaRPr lang="es-ES_tradnl"/>
           </a:p>
@@ -2314,7 +2220,7 @@
           <a:p>
             <a:fld id="{90361390-4E53-E84E-AD55-1B7C77486D52}" type="slidenum">
               <a:rPr lang="es-ES_tradnl" smtClean="0"/>
-              <a:t>‹Nº›</a:t>
+              <a:t>‹#›</a:t>
             </a:fld>
             <a:endParaRPr lang="es-ES_tradnl"/>
           </a:p>
@@ -2409,7 +2315,7 @@
           <a:p>
             <a:fld id="{90361390-4E53-E84E-AD55-1B7C77486D52}" type="slidenum">
               <a:rPr lang="es-ES_tradnl" smtClean="0"/>
-              <a:t>‹Nº›</a:t>
+              <a:t>‹#›</a:t>
             </a:fld>
             <a:endParaRPr lang="es-ES_tradnl"/>
           </a:p>
@@ -2686,7 +2592,7 @@
           <a:p>
             <a:fld id="{90361390-4E53-E84E-AD55-1B7C77486D52}" type="slidenum">
               <a:rPr lang="es-ES_tradnl" smtClean="0"/>
-              <a:t>‹Nº›</a:t>
+              <a:t>‹#›</a:t>
             </a:fld>
             <a:endParaRPr lang="es-ES_tradnl"/>
           </a:p>
@@ -2939,7 +2845,7 @@
           <a:p>
             <a:fld id="{90361390-4E53-E84E-AD55-1B7C77486D52}" type="slidenum">
               <a:rPr lang="es-ES_tradnl" smtClean="0"/>
-              <a:t>‹Nº›</a:t>
+              <a:t>‹#›</a:t>
             </a:fld>
             <a:endParaRPr lang="es-ES_tradnl"/>
           </a:p>
@@ -3188,7 +3094,7 @@
           <a:p>
             <a:fld id="{90361390-4E53-E84E-AD55-1B7C77486D52}" type="slidenum">
               <a:rPr lang="es-ES_tradnl" smtClean="0"/>
-              <a:t>‹Nº›</a:t>
+              <a:t>‹#›</a:t>
             </a:fld>
             <a:endParaRPr lang="es-ES_tradnl"/>
           </a:p>
@@ -3805,67 +3711,6 @@
 </p:sld>
 </file>
 
-<file path=ppt/slides/slide10.xml><?xml version="1.0" encoding="utf-8"?>
-<p:sld xmlns:a="http://schemas.openxmlformats.org/drawingml/2006/main" xmlns:r="http://schemas.openxmlformats.org/officeDocument/2006/relationships" xmlns:p="http://schemas.openxmlformats.org/presentationml/2006/main">
-  <p:cSld>
-    <p:spTree>
-      <p:nvGrpSpPr>
-        <p:cNvPr id="1" name=""/>
-        <p:cNvGrpSpPr/>
-        <p:nvPr/>
-      </p:nvGrpSpPr>
-      <p:grpSpPr>
-        <a:xfrm>
-          <a:off x="0" y="0"/>
-          <a:ext cx="0" cy="0"/>
-          <a:chOff x="0" y="0"/>
-          <a:chExt cx="0" cy="0"/>
-        </a:xfrm>
-      </p:grpSpPr>
-      <p:pic>
-        <p:nvPicPr>
-          <p:cNvPr id="3" name="Imagen 2" descr="Imagen PPT UAG NEW-03.jpg"/>
-          <p:cNvPicPr>
-            <a:picLocks noChangeAspect="1"/>
-          </p:cNvPicPr>
-          <p:nvPr/>
-        </p:nvPicPr>
-        <p:blipFill>
-          <a:blip r:embed="rId2"/>
-          <a:stretch>
-            <a:fillRect/>
-          </a:stretch>
-        </p:blipFill>
-        <p:spPr>
-          <a:xfrm>
-            <a:off x="1524000" y="0"/>
-            <a:ext cx="9144000" cy="6858000"/>
-          </a:xfrm>
-          <a:prstGeom prst="rect">
-            <a:avLst/>
-          </a:prstGeom>
-        </p:spPr>
-      </p:pic>
-    </p:spTree>
-    <p:extLst>
-      <p:ext uri="{BB962C8B-B14F-4D97-AF65-F5344CB8AC3E}">
-        <p14:creationId xmlns:p14="http://schemas.microsoft.com/office/powerpoint/2010/main" val="2078192812"/>
-      </p:ext>
-    </p:extLst>
-  </p:cSld>
-  <p:clrMapOvr>
-    <a:masterClrMapping/>
-  </p:clrMapOvr>
-  <p:timing>
-    <p:tnLst>
-      <p:par>
-        <p:cTn id="1" dur="indefinite" restart="never" nodeType="tmRoot"/>
-      </p:par>
-    </p:tnLst>
-  </p:timing>
-</p:sld>
-</file>
-
 <file path=ppt/slides/slide2.xml><?xml version="1.0" encoding="utf-8"?>
 <p:sld xmlns:a="http://schemas.openxmlformats.org/drawingml/2006/main" xmlns:r="http://schemas.openxmlformats.org/officeDocument/2006/relationships" xmlns:p="http://schemas.openxmlformats.org/presentationml/2006/main">
   <p:cSld>
@@ -4238,7 +4083,7 @@
         </p:nvGraphicFramePr>
         <p:xfrm>
           <a:off x="838197" y="426453"/>
-          <a:ext cx="8012452" cy="5833670"/>
+          <a:ext cx="8012452" cy="5690795"/>
         </p:xfrm>
         <a:graphic>
           <a:graphicData uri="http://schemas.openxmlformats.org/drawingml/2006/table">
@@ -4247,41 +4092,11 @@
                 <a:tableStyleId>{5C22544A-7EE6-4342-B048-85BDC9FD1C3A}</a:tableStyleId>
               </a:tblPr>
               <a:tblGrid>
-                <a:gridCol w="373383">
-                  <a:extLst>
-                    <a:ext uri="{9D8B030D-6E8A-4147-A177-3AD203B41FA5}">
-                      <a16:colId xmlns:a16="http://schemas.microsoft.com/office/drawing/2014/main" val="20000"/>
-                    </a:ext>
-                  </a:extLst>
-                </a:gridCol>
-                <a:gridCol w="3322932">
-                  <a:extLst>
-                    <a:ext uri="{9D8B030D-6E8A-4147-A177-3AD203B41FA5}">
-                      <a16:colId xmlns:a16="http://schemas.microsoft.com/office/drawing/2014/main" val="20001"/>
-                    </a:ext>
-                  </a:extLst>
-                </a:gridCol>
-                <a:gridCol w="2374450">
-                  <a:extLst>
-                    <a:ext uri="{9D8B030D-6E8A-4147-A177-3AD203B41FA5}">
-                      <a16:colId xmlns:a16="http://schemas.microsoft.com/office/drawing/2014/main" val="20002"/>
-                    </a:ext>
-                  </a:extLst>
-                </a:gridCol>
-                <a:gridCol w="1211706">
-                  <a:extLst>
-                    <a:ext uri="{9D8B030D-6E8A-4147-A177-3AD203B41FA5}">
-                      <a16:colId xmlns:a16="http://schemas.microsoft.com/office/drawing/2014/main" val="20003"/>
-                    </a:ext>
-                  </a:extLst>
-                </a:gridCol>
-                <a:gridCol w="729981">
-                  <a:extLst>
-                    <a:ext uri="{9D8B030D-6E8A-4147-A177-3AD203B41FA5}">
-                      <a16:colId xmlns:a16="http://schemas.microsoft.com/office/drawing/2014/main" val="20004"/>
-                    </a:ext>
-                  </a:extLst>
-                </a:gridCol>
+                <a:gridCol w="373383"/>
+                <a:gridCol w="3322932"/>
+                <a:gridCol w="2374450"/>
+                <a:gridCol w="1211706"/>
+                <a:gridCol w="729981"/>
               </a:tblGrid>
               <a:tr h="93663">
                 <a:tc>
@@ -4444,11 +4259,6 @@
                   </a:txBody>
                   <a:tcPr marL="23623" marR="23623" marT="0" marB="0"/>
                 </a:tc>
-                <a:extLst>
-                  <a:ext uri="{0D108BD9-81ED-4DB2-BD59-A6C34878D82A}">
-                    <a16:rowId xmlns:a16="http://schemas.microsoft.com/office/drawing/2014/main" val="10000"/>
-                  </a:ext>
-                </a:extLst>
               </a:tr>
               <a:tr h="156084">
                 <a:tc rowSpan="12">
@@ -4647,11 +4457,6 @@
                   </a:txBody>
                   <a:tcPr marL="23623" marR="23623" marT="0" marB="0"/>
                 </a:tc>
-                <a:extLst>
-                  <a:ext uri="{0D108BD9-81ED-4DB2-BD59-A6C34878D82A}">
-                    <a16:rowId xmlns:a16="http://schemas.microsoft.com/office/drawing/2014/main" val="10001"/>
-                  </a:ext>
-                </a:extLst>
               </a:tr>
               <a:tr h="92566">
                 <a:tc vMerge="1">
@@ -4792,11 +4597,6 @@
                   </a:txBody>
                   <a:tcPr marL="23623" marR="23623" marT="0" marB="0"/>
                 </a:tc>
-                <a:extLst>
-                  <a:ext uri="{0D108BD9-81ED-4DB2-BD59-A6C34878D82A}">
-                    <a16:rowId xmlns:a16="http://schemas.microsoft.com/office/drawing/2014/main" val="10002"/>
-                  </a:ext>
-                </a:extLst>
               </a:tr>
               <a:tr h="92566">
                 <a:tc vMerge="1">
@@ -4937,11 +4737,6 @@
                   </a:txBody>
                   <a:tcPr marL="23623" marR="23623" marT="0" marB="0"/>
                 </a:tc>
-                <a:extLst>
-                  <a:ext uri="{0D108BD9-81ED-4DB2-BD59-A6C34878D82A}">
-                    <a16:rowId xmlns:a16="http://schemas.microsoft.com/office/drawing/2014/main" val="10003"/>
-                  </a:ext>
-                </a:extLst>
               </a:tr>
               <a:tr h="92566">
                 <a:tc vMerge="1">
@@ -5094,11 +4889,6 @@
                   </a:txBody>
                   <a:tcPr marL="23623" marR="23623" marT="0" marB="0"/>
                 </a:tc>
-                <a:extLst>
-                  <a:ext uri="{0D108BD9-81ED-4DB2-BD59-A6C34878D82A}">
-                    <a16:rowId xmlns:a16="http://schemas.microsoft.com/office/drawing/2014/main" val="10004"/>
-                  </a:ext>
-                </a:extLst>
               </a:tr>
               <a:tr h="92566">
                 <a:tc vMerge="1">
@@ -5239,11 +5029,6 @@
                   </a:txBody>
                   <a:tcPr marL="23623" marR="23623" marT="0" marB="0"/>
                 </a:tc>
-                <a:extLst>
-                  <a:ext uri="{0D108BD9-81ED-4DB2-BD59-A6C34878D82A}">
-                    <a16:rowId xmlns:a16="http://schemas.microsoft.com/office/drawing/2014/main" val="10005"/>
-                  </a:ext>
-                </a:extLst>
               </a:tr>
               <a:tr h="92566">
                 <a:tc vMerge="1">
@@ -5384,11 +5169,6 @@
                   </a:txBody>
                   <a:tcPr marL="23623" marR="23623" marT="0" marB="0"/>
                 </a:tc>
-                <a:extLst>
-                  <a:ext uri="{0D108BD9-81ED-4DB2-BD59-A6C34878D82A}">
-                    <a16:rowId xmlns:a16="http://schemas.microsoft.com/office/drawing/2014/main" val="10006"/>
-                  </a:ext>
-                </a:extLst>
               </a:tr>
               <a:tr h="92566">
                 <a:tc vMerge="1">
@@ -5529,11 +5309,6 @@
                   </a:txBody>
                   <a:tcPr marL="23623" marR="23623" marT="0" marB="0"/>
                 </a:tc>
-                <a:extLst>
-                  <a:ext uri="{0D108BD9-81ED-4DB2-BD59-A6C34878D82A}">
-                    <a16:rowId xmlns:a16="http://schemas.microsoft.com/office/drawing/2014/main" val="10007"/>
-                  </a:ext>
-                </a:extLst>
               </a:tr>
               <a:tr h="92566">
                 <a:tc vMerge="1">
@@ -5674,11 +5449,6 @@
                   </a:txBody>
                   <a:tcPr marL="23623" marR="23623" marT="0" marB="0"/>
                 </a:tc>
-                <a:extLst>
-                  <a:ext uri="{0D108BD9-81ED-4DB2-BD59-A6C34878D82A}">
-                    <a16:rowId xmlns:a16="http://schemas.microsoft.com/office/drawing/2014/main" val="10008"/>
-                  </a:ext>
-                </a:extLst>
               </a:tr>
               <a:tr h="92566">
                 <a:tc vMerge="1">
@@ -5819,11 +5589,6 @@
                   </a:txBody>
                   <a:tcPr marL="23623" marR="23623" marT="0" marB="0"/>
                 </a:tc>
-                <a:extLst>
-                  <a:ext uri="{0D108BD9-81ED-4DB2-BD59-A6C34878D82A}">
-                    <a16:rowId xmlns:a16="http://schemas.microsoft.com/office/drawing/2014/main" val="10009"/>
-                  </a:ext>
-                </a:extLst>
               </a:tr>
               <a:tr h="92566">
                 <a:tc vMerge="1">
@@ -5964,11 +5729,6 @@
                   </a:txBody>
                   <a:tcPr marL="23623" marR="23623" marT="0" marB="0"/>
                 </a:tc>
-                <a:extLst>
-                  <a:ext uri="{0D108BD9-81ED-4DB2-BD59-A6C34878D82A}">
-                    <a16:rowId xmlns:a16="http://schemas.microsoft.com/office/drawing/2014/main" val="10010"/>
-                  </a:ext>
-                </a:extLst>
               </a:tr>
               <a:tr h="92566">
                 <a:tc vMerge="1">
@@ -6109,11 +5869,6 @@
                   </a:txBody>
                   <a:tcPr marL="23623" marR="23623" marT="0" marB="0"/>
                 </a:tc>
-                <a:extLst>
-                  <a:ext uri="{0D108BD9-81ED-4DB2-BD59-A6C34878D82A}">
-                    <a16:rowId xmlns:a16="http://schemas.microsoft.com/office/drawing/2014/main" val="10011"/>
-                  </a:ext>
-                </a:extLst>
               </a:tr>
               <a:tr h="0">
                 <a:tc vMerge="1">
@@ -6260,11 +6015,6 @@
                   </a:txBody>
                   <a:tcPr marL="23623" marR="23623" marT="0" marB="0"/>
                 </a:tc>
-                <a:extLst>
-                  <a:ext uri="{0D108BD9-81ED-4DB2-BD59-A6C34878D82A}">
-                    <a16:rowId xmlns:a16="http://schemas.microsoft.com/office/drawing/2014/main" val="10012"/>
-                  </a:ext>
-                </a:extLst>
               </a:tr>
               <a:tr h="156084">
                 <a:tc rowSpan="9">
@@ -6457,11 +6207,6 @@
                   </a:txBody>
                   <a:tcPr marL="23623" marR="23623" marT="0" marB="0"/>
                 </a:tc>
-                <a:extLst>
-                  <a:ext uri="{0D108BD9-81ED-4DB2-BD59-A6C34878D82A}">
-                    <a16:rowId xmlns:a16="http://schemas.microsoft.com/office/drawing/2014/main" val="10013"/>
-                  </a:ext>
-                </a:extLst>
               </a:tr>
               <a:tr h="104151">
                 <a:tc vMerge="1">
@@ -6602,11 +6347,6 @@
                   </a:txBody>
                   <a:tcPr marL="23623" marR="23623" marT="0" marB="0"/>
                 </a:tc>
-                <a:extLst>
-                  <a:ext uri="{0D108BD9-81ED-4DB2-BD59-A6C34878D82A}">
-                    <a16:rowId xmlns:a16="http://schemas.microsoft.com/office/drawing/2014/main" val="10014"/>
-                  </a:ext>
-                </a:extLst>
               </a:tr>
               <a:tr h="124217">
                 <a:tc vMerge="1">
@@ -6747,11 +6487,6 @@
                   </a:txBody>
                   <a:tcPr marL="23623" marR="23623" marT="0" marB="0"/>
                 </a:tc>
-                <a:extLst>
-                  <a:ext uri="{0D108BD9-81ED-4DB2-BD59-A6C34878D82A}">
-                    <a16:rowId xmlns:a16="http://schemas.microsoft.com/office/drawing/2014/main" val="10015"/>
-                  </a:ext>
-                </a:extLst>
               </a:tr>
               <a:tr h="156084">
                 <a:tc vMerge="1">
@@ -6892,11 +6627,6 @@
                   </a:txBody>
                   <a:tcPr marL="23623" marR="23623" marT="0" marB="0"/>
                 </a:tc>
-                <a:extLst>
-                  <a:ext uri="{0D108BD9-81ED-4DB2-BD59-A6C34878D82A}">
-                    <a16:rowId xmlns:a16="http://schemas.microsoft.com/office/drawing/2014/main" val="10016"/>
-                  </a:ext>
-                </a:extLst>
               </a:tr>
               <a:tr h="132979">
                 <a:tc vMerge="1">
@@ -7037,11 +6767,6 @@
                   </a:txBody>
                   <a:tcPr marL="23623" marR="23623" marT="0" marB="0"/>
                 </a:tc>
-                <a:extLst>
-                  <a:ext uri="{0D108BD9-81ED-4DB2-BD59-A6C34878D82A}">
-                    <a16:rowId xmlns:a16="http://schemas.microsoft.com/office/drawing/2014/main" val="10017"/>
-                  </a:ext>
-                </a:extLst>
               </a:tr>
               <a:tr h="156084">
                 <a:tc vMerge="1">
@@ -7194,11 +6919,6 @@
                   </a:txBody>
                   <a:tcPr marL="23623" marR="23623" marT="0" marB="0"/>
                 </a:tc>
-                <a:extLst>
-                  <a:ext uri="{0D108BD9-81ED-4DB2-BD59-A6C34878D82A}">
-                    <a16:rowId xmlns:a16="http://schemas.microsoft.com/office/drawing/2014/main" val="10018"/>
-                  </a:ext>
-                </a:extLst>
               </a:tr>
               <a:tr h="118236">
                 <a:tc vMerge="1">
@@ -7339,11 +7059,6 @@
                   </a:txBody>
                   <a:tcPr marL="23623" marR="23623" marT="0" marB="0"/>
                 </a:tc>
-                <a:extLst>
-                  <a:ext uri="{0D108BD9-81ED-4DB2-BD59-A6C34878D82A}">
-                    <a16:rowId xmlns:a16="http://schemas.microsoft.com/office/drawing/2014/main" val="10019"/>
-                  </a:ext>
-                </a:extLst>
               </a:tr>
               <a:tr h="156084">
                 <a:tc vMerge="1">
@@ -7484,11 +7199,6 @@
                   </a:txBody>
                   <a:tcPr marL="23623" marR="23623" marT="0" marB="0"/>
                 </a:tc>
-                <a:extLst>
-                  <a:ext uri="{0D108BD9-81ED-4DB2-BD59-A6C34878D82A}">
-                    <a16:rowId xmlns:a16="http://schemas.microsoft.com/office/drawing/2014/main" val="10020"/>
-                  </a:ext>
-                </a:extLst>
               </a:tr>
               <a:tr h="92566">
                 <a:tc vMerge="1">
@@ -7629,11 +7339,6 @@
                   </a:txBody>
                   <a:tcPr marL="23623" marR="23623" marT="0" marB="0"/>
                 </a:tc>
-                <a:extLst>
-                  <a:ext uri="{0D108BD9-81ED-4DB2-BD59-A6C34878D82A}">
-                    <a16:rowId xmlns:a16="http://schemas.microsoft.com/office/drawing/2014/main" val="10021"/>
-                  </a:ext>
-                </a:extLst>
               </a:tr>
               <a:tr h="140650">
                 <a:tc rowSpan="13">
@@ -7802,11 +7507,6 @@
                   </a:txBody>
                   <a:tcPr marL="23623" marR="23623" marT="0" marB="0"/>
                 </a:tc>
-                <a:extLst>
-                  <a:ext uri="{0D108BD9-81ED-4DB2-BD59-A6C34878D82A}">
-                    <a16:rowId xmlns:a16="http://schemas.microsoft.com/office/drawing/2014/main" val="10022"/>
-                  </a:ext>
-                </a:extLst>
               </a:tr>
               <a:tr h="156084">
                 <a:tc vMerge="1">
@@ -7947,11 +7647,6 @@
                   </a:txBody>
                   <a:tcPr marL="23623" marR="23623" marT="0" marB="0"/>
                 </a:tc>
-                <a:extLst>
-                  <a:ext uri="{0D108BD9-81ED-4DB2-BD59-A6C34878D82A}">
-                    <a16:rowId xmlns:a16="http://schemas.microsoft.com/office/drawing/2014/main" val="10023"/>
-                  </a:ext>
-                </a:extLst>
               </a:tr>
               <a:tr h="156084">
                 <a:tc vMerge="1">
@@ -8092,11 +7787,6 @@
                   </a:txBody>
                   <a:tcPr marL="23623" marR="23623" marT="0" marB="0"/>
                 </a:tc>
-                <a:extLst>
-                  <a:ext uri="{0D108BD9-81ED-4DB2-BD59-A6C34878D82A}">
-                    <a16:rowId xmlns:a16="http://schemas.microsoft.com/office/drawing/2014/main" val="10024"/>
-                  </a:ext>
-                </a:extLst>
               </a:tr>
               <a:tr h="156084">
                 <a:tc vMerge="1">
@@ -8237,11 +7927,6 @@
                   </a:txBody>
                   <a:tcPr marL="23623" marR="23623" marT="0" marB="0"/>
                 </a:tc>
-                <a:extLst>
-                  <a:ext uri="{0D108BD9-81ED-4DB2-BD59-A6C34878D82A}">
-                    <a16:rowId xmlns:a16="http://schemas.microsoft.com/office/drawing/2014/main" val="10025"/>
-                  </a:ext>
-                </a:extLst>
               </a:tr>
               <a:tr h="92566">
                 <a:tc vMerge="1">
@@ -8382,11 +8067,6 @@
                   </a:txBody>
                   <a:tcPr marL="23623" marR="23623" marT="0" marB="0"/>
                 </a:tc>
-                <a:extLst>
-                  <a:ext uri="{0D108BD9-81ED-4DB2-BD59-A6C34878D82A}">
-                    <a16:rowId xmlns:a16="http://schemas.microsoft.com/office/drawing/2014/main" val="10026"/>
-                  </a:ext>
-                </a:extLst>
               </a:tr>
               <a:tr h="92566">
                 <a:tc vMerge="1">
@@ -8527,11 +8207,6 @@
                   </a:txBody>
                   <a:tcPr marL="23623" marR="23623" marT="0" marB="0"/>
                 </a:tc>
-                <a:extLst>
-                  <a:ext uri="{0D108BD9-81ED-4DB2-BD59-A6C34878D82A}">
-                    <a16:rowId xmlns:a16="http://schemas.microsoft.com/office/drawing/2014/main" val="10027"/>
-                  </a:ext>
-                </a:extLst>
               </a:tr>
               <a:tr h="156084">
                 <a:tc vMerge="1">
@@ -8672,11 +8347,6 @@
                   </a:txBody>
                   <a:tcPr marL="23623" marR="23623" marT="0" marB="0"/>
                 </a:tc>
-                <a:extLst>
-                  <a:ext uri="{0D108BD9-81ED-4DB2-BD59-A6C34878D82A}">
-                    <a16:rowId xmlns:a16="http://schemas.microsoft.com/office/drawing/2014/main" val="10028"/>
-                  </a:ext>
-                </a:extLst>
               </a:tr>
               <a:tr h="235874">
                 <a:tc vMerge="1">
@@ -8817,11 +8487,6 @@
                   </a:txBody>
                   <a:tcPr marL="23623" marR="23623" marT="0" marB="0"/>
                 </a:tc>
-                <a:extLst>
-                  <a:ext uri="{0D108BD9-81ED-4DB2-BD59-A6C34878D82A}">
-                    <a16:rowId xmlns:a16="http://schemas.microsoft.com/office/drawing/2014/main" val="10029"/>
-                  </a:ext>
-                </a:extLst>
               </a:tr>
               <a:tr h="235874">
                 <a:tc vMerge="1">
@@ -8962,11 +8627,6 @@
                   </a:txBody>
                   <a:tcPr marL="23623" marR="23623" marT="0" marB="0"/>
                 </a:tc>
-                <a:extLst>
-                  <a:ext uri="{0D108BD9-81ED-4DB2-BD59-A6C34878D82A}">
-                    <a16:rowId xmlns:a16="http://schemas.microsoft.com/office/drawing/2014/main" val="10030"/>
-                  </a:ext>
-                </a:extLst>
               </a:tr>
               <a:tr h="120926">
                 <a:tc vMerge="1">
@@ -9107,11 +8767,6 @@
                   </a:txBody>
                   <a:tcPr marL="23623" marR="23623" marT="0" marB="0"/>
                 </a:tc>
-                <a:extLst>
-                  <a:ext uri="{0D108BD9-81ED-4DB2-BD59-A6C34878D82A}">
-                    <a16:rowId xmlns:a16="http://schemas.microsoft.com/office/drawing/2014/main" val="10031"/>
-                  </a:ext>
-                </a:extLst>
               </a:tr>
               <a:tr h="92566">
                 <a:tc vMerge="1">
@@ -9252,11 +8907,6 @@
                   </a:txBody>
                   <a:tcPr marL="23623" marR="23623" marT="0" marB="0"/>
                 </a:tc>
-                <a:extLst>
-                  <a:ext uri="{0D108BD9-81ED-4DB2-BD59-A6C34878D82A}">
-                    <a16:rowId xmlns:a16="http://schemas.microsoft.com/office/drawing/2014/main" val="10032"/>
-                  </a:ext>
-                </a:extLst>
               </a:tr>
               <a:tr h="92566">
                 <a:tc vMerge="1">
@@ -9397,11 +9047,6 @@
                   </a:txBody>
                   <a:tcPr marL="23623" marR="23623" marT="0" marB="0"/>
                 </a:tc>
-                <a:extLst>
-                  <a:ext uri="{0D108BD9-81ED-4DB2-BD59-A6C34878D82A}">
-                    <a16:rowId xmlns:a16="http://schemas.microsoft.com/office/drawing/2014/main" val="10033"/>
-                  </a:ext>
-                </a:extLst>
               </a:tr>
               <a:tr h="156084">
                 <a:tc vMerge="1">
@@ -9542,11 +9187,6 @@
                   </a:txBody>
                   <a:tcPr marL="23623" marR="23623" marT="0" marB="0"/>
                 </a:tc>
-                <a:extLst>
-                  <a:ext uri="{0D108BD9-81ED-4DB2-BD59-A6C34878D82A}">
-                    <a16:rowId xmlns:a16="http://schemas.microsoft.com/office/drawing/2014/main" val="10034"/>
-                  </a:ext>
-                </a:extLst>
               </a:tr>
               <a:tr h="164045">
                 <a:tc rowSpan="4">
@@ -9764,11 +9404,6 @@
                   </a:txBody>
                   <a:tcPr marL="23623" marR="23623" marT="0" marB="0" anchor="ctr"/>
                 </a:tc>
-                <a:extLst>
-                  <a:ext uri="{0D108BD9-81ED-4DB2-BD59-A6C34878D82A}">
-                    <a16:rowId xmlns:a16="http://schemas.microsoft.com/office/drawing/2014/main" val="10035"/>
-                  </a:ext>
-                </a:extLst>
               </a:tr>
               <a:tr h="106719">
                 <a:tc vMerge="1">
@@ -9909,11 +9544,6 @@
                   </a:txBody>
                   <a:tcPr marL="23623" marR="23623" marT="0" marB="0" anchor="ctr"/>
                 </a:tc>
-                <a:extLst>
-                  <a:ext uri="{0D108BD9-81ED-4DB2-BD59-A6C34878D82A}">
-                    <a16:rowId xmlns:a16="http://schemas.microsoft.com/office/drawing/2014/main" val="10036"/>
-                  </a:ext>
-                </a:extLst>
               </a:tr>
               <a:tr h="50869">
                 <a:tc vMerge="1">
@@ -10054,11 +9684,6 @@
                   </a:txBody>
                   <a:tcPr marL="23623" marR="23623" marT="0" marB="0" anchor="ctr"/>
                 </a:tc>
-                <a:extLst>
-                  <a:ext uri="{0D108BD9-81ED-4DB2-BD59-A6C34878D82A}">
-                    <a16:rowId xmlns:a16="http://schemas.microsoft.com/office/drawing/2014/main" val="10037"/>
-                  </a:ext>
-                </a:extLst>
               </a:tr>
               <a:tr h="313573">
                 <a:tc vMerge="1">
@@ -10215,11 +9840,6 @@
                   </a:txBody>
                   <a:tcPr marL="23623" marR="23623" marT="0" marB="0"/>
                 </a:tc>
-                <a:extLst>
-                  <a:ext uri="{0D108BD9-81ED-4DB2-BD59-A6C34878D82A}">
-                    <a16:rowId xmlns:a16="http://schemas.microsoft.com/office/drawing/2014/main" val="10038"/>
-                  </a:ext>
-                </a:extLst>
               </a:tr>
             </a:tbl>
           </a:graphicData>
@@ -10272,27 +9892,30 @@
             <p:ph type="title"/>
           </p:nvPr>
         </p:nvSpPr>
-        <p:spPr/>
+        <p:spPr>
+          <a:xfrm>
+            <a:off x="855453" y="205774"/>
+            <a:ext cx="10515600" cy="1325563"/>
+          </a:xfrm>
+        </p:spPr>
         <p:txBody>
-          <a:bodyPr/>
+          <a:bodyPr>
+            <a:normAutofit/>
+          </a:bodyPr>
           <a:lstStyle/>
           <a:p>
             <a:pPr algn="ctr"/>
             <a:r>
               <a:rPr lang="es-MX" dirty="0" smtClean="0">
                 <a:solidFill>
-                  <a:schemeClr val="tx2">
-                    <a:lumMod val="75000"/>
-                  </a:schemeClr>
+                  <a:srgbClr val="002060"/>
                 </a:solidFill>
               </a:rPr>
-              <a:t>Reporte de Estado</a:t>
+              <a:t>Indicadores y Proyecciones</a:t>
             </a:r>
             <a:endParaRPr lang="es-MX" dirty="0">
               <a:solidFill>
-                <a:schemeClr val="tx2">
-                  <a:lumMod val="75000"/>
-                </a:schemeClr>
+                <a:srgbClr val="002060"/>
               </a:solidFill>
             </a:endParaRPr>
           </a:p>
@@ -10300,74 +9923,284 @@
       </p:sp>
       <p:sp>
         <p:nvSpPr>
-          <p:cNvPr id="3" name="2 Marcador de contenido"/>
-          <p:cNvSpPr>
-            <a:spLocks noGrp="1"/>
+          <p:cNvPr id="8" name="3 CuadroTexto"/>
+          <p:cNvSpPr txBox="1">
+            <a:spLocks noChangeArrowheads="1"/>
           </p:cNvSpPr>
-          <p:nvPr>
-            <p:ph idx="1"/>
-          </p:nvPr>
+          <p:nvPr/>
         </p:nvSpPr>
-        <p:spPr>
+        <p:spPr bwMode="auto">
           <a:xfrm>
-            <a:off x="1775520" y="1052737"/>
-            <a:ext cx="8229600" cy="4983163"/>
-          </a:xfrm>
-        </p:spPr>
-        <p:txBody>
-          <a:bodyPr/>
-          <a:lstStyle/>
-          <a:p>
-            <a:pPr>
-              <a:buNone/>
-            </a:pPr>
-            <a:r>
-              <a:rPr lang="es-MX" dirty="0"/>
-              <a:t>    </a:t>
-            </a:r>
-          </a:p>
-          <a:p>
-            <a:pPr>
-              <a:buNone/>
-            </a:pPr>
-            <a:endParaRPr lang="es-ES" dirty="0"/>
-          </a:p>
-          <a:p>
-            <a:pPr>
-              <a:buNone/>
-            </a:pPr>
-            <a:endParaRPr lang="es-MX" dirty="0"/>
-          </a:p>
-        </p:txBody>
-      </p:sp>
-      <p:pic>
-        <p:nvPicPr>
-          <p:cNvPr id="6" name="Imagen 5"/>
-          <p:cNvPicPr>
-            <a:picLocks noChangeAspect="1"/>
-          </p:cNvPicPr>
-          <p:nvPr/>
-        </p:nvPicPr>
-        <p:blipFill>
-          <a:blip r:embed="rId3"/>
-          <a:stretch>
-            <a:fillRect/>
-          </a:stretch>
-        </p:blipFill>
-        <p:spPr>
-          <a:xfrm>
-            <a:off x="1587500" y="1809750"/>
-            <a:ext cx="9321800" cy="4737100"/>
+            <a:off x="1847850" y="1571638"/>
+            <a:ext cx="8286750" cy="2031325"/>
           </a:xfrm>
           <a:prstGeom prst="rect">
             <a:avLst/>
           </a:prstGeom>
+          <a:noFill/>
+          <a:ln w="9525">
+            <a:solidFill>
+              <a:schemeClr val="accent1"/>
+            </a:solidFill>
+            <a:miter lim="800000"/>
+            <a:headEnd/>
+            <a:tailEnd/>
+          </a:ln>
         </p:spPr>
-      </p:pic>
+        <p:txBody>
+          <a:bodyPr wrap="square">
+            <a:spAutoFit/>
+          </a:bodyPr>
+          <a:lstStyle/>
+          <a:p>
+            <a:r>
+              <a:rPr lang="es-VE" sz="1400" b="1" dirty="0"/>
+              <a:t>Situación actual del proyecto</a:t>
+            </a:r>
+          </a:p>
+          <a:p>
+            <a:endParaRPr lang="es-VE" sz="1400" dirty="0"/>
+          </a:p>
+          <a:p>
+            <a:r>
+              <a:rPr lang="es-VE" sz="1400" dirty="0"/>
+              <a:t>Valor Planificado: </a:t>
+            </a:r>
+            <a:r>
+              <a:rPr lang="es-VE" sz="1400" b="1" dirty="0" smtClean="0"/>
+              <a:t>$450,000</a:t>
+            </a:r>
+            <a:endParaRPr lang="es-VE" sz="1400" dirty="0"/>
+          </a:p>
+          <a:p>
+            <a:r>
+              <a:rPr lang="es-VE" sz="1400" dirty="0"/>
+              <a:t>Variación de cronograma: 0</a:t>
+            </a:r>
+          </a:p>
+          <a:p>
+            <a:r>
+              <a:rPr lang="es-VE" sz="1400" dirty="0"/>
+              <a:t>Estado de Índice del desempeño de cronograma:</a:t>
+            </a:r>
+          </a:p>
+          <a:p>
+            <a:endParaRPr lang="es-VE" sz="1400" dirty="0"/>
+          </a:p>
+          <a:p>
+            <a:r>
+              <a:rPr lang="es-VE" sz="1400" dirty="0"/>
+              <a:t>Variación de costo:  0</a:t>
+            </a:r>
+          </a:p>
+          <a:p>
+            <a:r>
+              <a:rPr lang="es-VE" sz="1400" dirty="0"/>
+              <a:t>Estado de Índice del desempeño de costo:</a:t>
+            </a:r>
+          </a:p>
+          <a:p>
+            <a:endParaRPr lang="es-VE" sz="1400" dirty="0"/>
+          </a:p>
+        </p:txBody>
+      </p:sp>
+      <p:sp>
+        <p:nvSpPr>
+          <p:cNvPr id="9" name="4 CuadroTexto"/>
+          <p:cNvSpPr txBox="1">
+            <a:spLocks noChangeArrowheads="1"/>
+          </p:cNvSpPr>
+          <p:nvPr/>
+        </p:nvSpPr>
+        <p:spPr bwMode="auto">
+          <a:xfrm>
+            <a:off x="1847850" y="4402151"/>
+            <a:ext cx="8286750" cy="1169551"/>
+          </a:xfrm>
+          <a:prstGeom prst="rect">
+            <a:avLst/>
+          </a:prstGeom>
+          <a:noFill/>
+          <a:ln w="9525">
+            <a:solidFill>
+              <a:schemeClr val="accent1"/>
+            </a:solidFill>
+            <a:miter lim="800000"/>
+            <a:headEnd/>
+            <a:tailEnd/>
+          </a:ln>
+        </p:spPr>
+        <p:txBody>
+          <a:bodyPr wrap="square">
+            <a:spAutoFit/>
+          </a:bodyPr>
+          <a:lstStyle/>
+          <a:p>
+            <a:r>
+              <a:rPr lang="es-VE" sz="1400" b="1" dirty="0"/>
+              <a:t>Proyecciones</a:t>
+            </a:r>
+          </a:p>
+          <a:p>
+            <a:endParaRPr lang="es-VE" sz="1400" dirty="0"/>
+          </a:p>
+          <a:p>
+            <a:r>
+              <a:rPr lang="es-VE" sz="1400" dirty="0"/>
+              <a:t>Fecha estimada de conclusión: </a:t>
+            </a:r>
+            <a:r>
+              <a:rPr lang="es-VE" sz="1400" b="1" dirty="0" smtClean="0"/>
+              <a:t>11/14/2018</a:t>
+            </a:r>
+            <a:endParaRPr lang="es-VE" sz="1400" b="1" dirty="0"/>
+          </a:p>
+          <a:p>
+            <a:r>
+              <a:rPr lang="es-VE" sz="1400" dirty="0"/>
+              <a:t>Presupuesto hasta la conclusión: </a:t>
+            </a:r>
+            <a:r>
+              <a:rPr lang="es-VE" sz="1400" b="1" dirty="0" smtClean="0"/>
+              <a:t>$423,500</a:t>
+            </a:r>
+            <a:endParaRPr lang="es-VE" sz="1400" b="1" dirty="0"/>
+          </a:p>
+          <a:p>
+            <a:r>
+              <a:rPr lang="es-VE" sz="1400" dirty="0"/>
+              <a:t>Estado de Índice del desempeño de trabajo por completar:</a:t>
+            </a:r>
+          </a:p>
+        </p:txBody>
+      </p:sp>
+      <p:sp>
+        <p:nvSpPr>
+          <p:cNvPr id="12" name="Elipse 11"/>
+          <p:cNvSpPr/>
+          <p:nvPr/>
+        </p:nvSpPr>
+        <p:spPr>
+          <a:xfrm>
+            <a:off x="6290155" y="2977804"/>
+            <a:ext cx="304800" cy="304800"/>
+          </a:xfrm>
+          <a:prstGeom prst="ellipse">
+            <a:avLst/>
+          </a:prstGeom>
+          <a:solidFill>
+            <a:srgbClr val="92D050"/>
+          </a:solidFill>
+        </p:spPr>
+        <p:style>
+          <a:lnRef idx="1">
+            <a:schemeClr val="accent1"/>
+          </a:lnRef>
+          <a:fillRef idx="3">
+            <a:schemeClr val="accent1"/>
+          </a:fillRef>
+          <a:effectRef idx="2">
+            <a:schemeClr val="accent1"/>
+          </a:effectRef>
+          <a:fontRef idx="minor">
+            <a:schemeClr val="lt1"/>
+          </a:fontRef>
+        </p:style>
+        <p:txBody>
+          <a:bodyPr rtlCol="0" anchor="ctr"/>
+          <a:lstStyle/>
+          <a:p>
+            <a:pPr algn="ctr"/>
+            <a:endParaRPr lang="es-ES_tradnl"/>
+          </a:p>
+        </p:txBody>
+      </p:sp>
+      <p:sp>
+        <p:nvSpPr>
+          <p:cNvPr id="13" name="Elipse 12"/>
+          <p:cNvSpPr/>
+          <p:nvPr/>
+        </p:nvSpPr>
+        <p:spPr>
+          <a:xfrm>
+            <a:off x="6312024" y="5181600"/>
+            <a:ext cx="304800" cy="304800"/>
+          </a:xfrm>
+          <a:prstGeom prst="ellipse">
+            <a:avLst/>
+          </a:prstGeom>
+          <a:solidFill>
+            <a:srgbClr val="92D050"/>
+          </a:solidFill>
+        </p:spPr>
+        <p:style>
+          <a:lnRef idx="1">
+            <a:schemeClr val="accent1"/>
+          </a:lnRef>
+          <a:fillRef idx="3">
+            <a:schemeClr val="accent1"/>
+          </a:fillRef>
+          <a:effectRef idx="2">
+            <a:schemeClr val="accent1"/>
+          </a:effectRef>
+          <a:fontRef idx="minor">
+            <a:schemeClr val="lt1"/>
+          </a:fontRef>
+        </p:style>
+        <p:txBody>
+          <a:bodyPr rtlCol="0" anchor="ctr"/>
+          <a:lstStyle/>
+          <a:p>
+            <a:pPr algn="ctr"/>
+            <a:endParaRPr lang="es-ES_tradnl"/>
+          </a:p>
+        </p:txBody>
+      </p:sp>
+      <p:sp>
+        <p:nvSpPr>
+          <p:cNvPr id="14" name="Elipse 13"/>
+          <p:cNvSpPr/>
+          <p:nvPr/>
+        </p:nvSpPr>
+        <p:spPr>
+          <a:xfrm>
+            <a:off x="6312024" y="2158386"/>
+            <a:ext cx="304800" cy="304800"/>
+          </a:xfrm>
+          <a:prstGeom prst="ellipse">
+            <a:avLst/>
+          </a:prstGeom>
+          <a:solidFill>
+            <a:srgbClr val="92D050"/>
+          </a:solidFill>
+        </p:spPr>
+        <p:style>
+          <a:lnRef idx="1">
+            <a:schemeClr val="accent1"/>
+          </a:lnRef>
+          <a:fillRef idx="3">
+            <a:schemeClr val="accent1"/>
+          </a:fillRef>
+          <a:effectRef idx="2">
+            <a:schemeClr val="accent1"/>
+          </a:effectRef>
+          <a:fontRef idx="minor">
+            <a:schemeClr val="lt1"/>
+          </a:fontRef>
+        </p:style>
+        <p:txBody>
+          <a:bodyPr rtlCol="0" anchor="ctr"/>
+          <a:lstStyle/>
+          <a:p>
+            <a:pPr algn="ctr"/>
+            <a:endParaRPr lang="es-ES_tradnl"/>
+          </a:p>
+        </p:txBody>
+      </p:sp>
     </p:spTree>
     <p:extLst>
       <p:ext uri="{BB962C8B-B14F-4D97-AF65-F5344CB8AC3E}">
-        <p14:creationId xmlns:p14="http://schemas.microsoft.com/office/powerpoint/2010/main" val="923187181"/>
+        <p14:creationId xmlns:p14="http://schemas.microsoft.com/office/powerpoint/2010/main" val="1784268716"/>
       </p:ext>
     </p:extLst>
   </p:cSld>
@@ -10413,358 +10246,6 @@
         </p:nvSpPr>
         <p:spPr>
           <a:xfrm>
-            <a:off x="855453" y="205774"/>
-            <a:ext cx="10515600" cy="1325563"/>
-          </a:xfrm>
-        </p:spPr>
-        <p:txBody>
-          <a:bodyPr>
-            <a:normAutofit/>
-          </a:bodyPr>
-          <a:lstStyle/>
-          <a:p>
-            <a:pPr algn="ctr"/>
-            <a:r>
-              <a:rPr lang="es-MX" dirty="0" smtClean="0">
-                <a:solidFill>
-                  <a:srgbClr val="002060"/>
-                </a:solidFill>
-              </a:rPr>
-              <a:t>Indicadores y Proyecciones</a:t>
-            </a:r>
-            <a:endParaRPr lang="es-MX" dirty="0">
-              <a:solidFill>
-                <a:srgbClr val="002060"/>
-              </a:solidFill>
-            </a:endParaRPr>
-          </a:p>
-        </p:txBody>
-      </p:sp>
-      <p:sp>
-        <p:nvSpPr>
-          <p:cNvPr id="8" name="3 CuadroTexto"/>
-          <p:cNvSpPr txBox="1">
-            <a:spLocks noChangeArrowheads="1"/>
-          </p:cNvSpPr>
-          <p:nvPr/>
-        </p:nvSpPr>
-        <p:spPr bwMode="auto">
-          <a:xfrm>
-            <a:off x="1847850" y="1571638"/>
-            <a:ext cx="8286750" cy="2031325"/>
-          </a:xfrm>
-          <a:prstGeom prst="rect">
-            <a:avLst/>
-          </a:prstGeom>
-          <a:noFill/>
-          <a:ln w="9525">
-            <a:solidFill>
-              <a:schemeClr val="accent1"/>
-            </a:solidFill>
-            <a:miter lim="800000"/>
-            <a:headEnd/>
-            <a:tailEnd/>
-          </a:ln>
-        </p:spPr>
-        <p:txBody>
-          <a:bodyPr wrap="square">
-            <a:spAutoFit/>
-          </a:bodyPr>
-          <a:lstStyle/>
-          <a:p>
-            <a:r>
-              <a:rPr lang="es-VE" sz="1400" b="1" dirty="0"/>
-              <a:t>Situación actual del proyecto</a:t>
-            </a:r>
-          </a:p>
-          <a:p>
-            <a:endParaRPr lang="es-VE" sz="1400" dirty="0"/>
-          </a:p>
-          <a:p>
-            <a:r>
-              <a:rPr lang="es-VE" sz="1400" dirty="0"/>
-              <a:t>Valor Planificado: </a:t>
-            </a:r>
-            <a:r>
-              <a:rPr lang="es-VE" sz="1400" b="1" dirty="0" smtClean="0"/>
-              <a:t>$450,000</a:t>
-            </a:r>
-            <a:endParaRPr lang="es-VE" sz="1400" dirty="0"/>
-          </a:p>
-          <a:p>
-            <a:r>
-              <a:rPr lang="es-VE" sz="1400" dirty="0"/>
-              <a:t>Variación de cronograma: 0</a:t>
-            </a:r>
-          </a:p>
-          <a:p>
-            <a:r>
-              <a:rPr lang="es-VE" sz="1400" dirty="0"/>
-              <a:t>Estado de Índice del desempeño de cronograma:</a:t>
-            </a:r>
-          </a:p>
-          <a:p>
-            <a:endParaRPr lang="es-VE" sz="1400" dirty="0"/>
-          </a:p>
-          <a:p>
-            <a:r>
-              <a:rPr lang="es-VE" sz="1400" dirty="0"/>
-              <a:t>Variación de costo:  0</a:t>
-            </a:r>
-          </a:p>
-          <a:p>
-            <a:r>
-              <a:rPr lang="es-VE" sz="1400" dirty="0"/>
-              <a:t>Estado de Índice del desempeño de costo:</a:t>
-            </a:r>
-          </a:p>
-          <a:p>
-            <a:endParaRPr lang="es-VE" sz="1400" dirty="0"/>
-          </a:p>
-        </p:txBody>
-      </p:sp>
-      <p:sp>
-        <p:nvSpPr>
-          <p:cNvPr id="9" name="4 CuadroTexto"/>
-          <p:cNvSpPr txBox="1">
-            <a:spLocks noChangeArrowheads="1"/>
-          </p:cNvSpPr>
-          <p:nvPr/>
-        </p:nvSpPr>
-        <p:spPr bwMode="auto">
-          <a:xfrm>
-            <a:off x="1847850" y="4402151"/>
-            <a:ext cx="8286750" cy="1169551"/>
-          </a:xfrm>
-          <a:prstGeom prst="rect">
-            <a:avLst/>
-          </a:prstGeom>
-          <a:noFill/>
-          <a:ln w="9525">
-            <a:solidFill>
-              <a:schemeClr val="accent1"/>
-            </a:solidFill>
-            <a:miter lim="800000"/>
-            <a:headEnd/>
-            <a:tailEnd/>
-          </a:ln>
-        </p:spPr>
-        <p:txBody>
-          <a:bodyPr wrap="square">
-            <a:spAutoFit/>
-          </a:bodyPr>
-          <a:lstStyle/>
-          <a:p>
-            <a:r>
-              <a:rPr lang="es-VE" sz="1400" b="1" dirty="0"/>
-              <a:t>Proyecciones</a:t>
-            </a:r>
-          </a:p>
-          <a:p>
-            <a:endParaRPr lang="es-VE" sz="1400" dirty="0"/>
-          </a:p>
-          <a:p>
-            <a:r>
-              <a:rPr lang="es-VE" sz="1400" dirty="0"/>
-              <a:t>Fecha estimada de conclusión: </a:t>
-            </a:r>
-            <a:r>
-              <a:rPr lang="es-VE" sz="1400" b="1" dirty="0" smtClean="0"/>
-              <a:t>11/14/2018</a:t>
-            </a:r>
-            <a:endParaRPr lang="es-VE" sz="1400" b="1" dirty="0"/>
-          </a:p>
-          <a:p>
-            <a:r>
-              <a:rPr lang="es-VE" sz="1400" dirty="0"/>
-              <a:t>Presupuesto hasta la conclusión: </a:t>
-            </a:r>
-            <a:r>
-              <a:rPr lang="es-VE" sz="1400" b="1" dirty="0" smtClean="0"/>
-              <a:t>$423,500</a:t>
-            </a:r>
-            <a:endParaRPr lang="es-VE" sz="1400" b="1" dirty="0"/>
-          </a:p>
-          <a:p>
-            <a:r>
-              <a:rPr lang="es-VE" sz="1400" dirty="0"/>
-              <a:t>Estado de Índice del desempeño de trabajo por completar:</a:t>
-            </a:r>
-          </a:p>
-        </p:txBody>
-      </p:sp>
-      <p:sp>
-        <p:nvSpPr>
-          <p:cNvPr id="12" name="Elipse 11"/>
-          <p:cNvSpPr/>
-          <p:nvPr/>
-        </p:nvSpPr>
-        <p:spPr>
-          <a:xfrm>
-            <a:off x="6290155" y="2977804"/>
-            <a:ext cx="304800" cy="304800"/>
-          </a:xfrm>
-          <a:prstGeom prst="ellipse">
-            <a:avLst/>
-          </a:prstGeom>
-          <a:solidFill>
-            <a:srgbClr val="92D050"/>
-          </a:solidFill>
-        </p:spPr>
-        <p:style>
-          <a:lnRef idx="1">
-            <a:schemeClr val="accent1"/>
-          </a:lnRef>
-          <a:fillRef idx="3">
-            <a:schemeClr val="accent1"/>
-          </a:fillRef>
-          <a:effectRef idx="2">
-            <a:schemeClr val="accent1"/>
-          </a:effectRef>
-          <a:fontRef idx="minor">
-            <a:schemeClr val="lt1"/>
-          </a:fontRef>
-        </p:style>
-        <p:txBody>
-          <a:bodyPr rtlCol="0" anchor="ctr"/>
-          <a:lstStyle/>
-          <a:p>
-            <a:pPr algn="ctr"/>
-            <a:endParaRPr lang="es-ES_tradnl"/>
-          </a:p>
-        </p:txBody>
-      </p:sp>
-      <p:sp>
-        <p:nvSpPr>
-          <p:cNvPr id="13" name="Elipse 12"/>
-          <p:cNvSpPr/>
-          <p:nvPr/>
-        </p:nvSpPr>
-        <p:spPr>
-          <a:xfrm>
-            <a:off x="6312024" y="5181600"/>
-            <a:ext cx="304800" cy="304800"/>
-          </a:xfrm>
-          <a:prstGeom prst="ellipse">
-            <a:avLst/>
-          </a:prstGeom>
-          <a:solidFill>
-            <a:srgbClr val="92D050"/>
-          </a:solidFill>
-        </p:spPr>
-        <p:style>
-          <a:lnRef idx="1">
-            <a:schemeClr val="accent1"/>
-          </a:lnRef>
-          <a:fillRef idx="3">
-            <a:schemeClr val="accent1"/>
-          </a:fillRef>
-          <a:effectRef idx="2">
-            <a:schemeClr val="accent1"/>
-          </a:effectRef>
-          <a:fontRef idx="minor">
-            <a:schemeClr val="lt1"/>
-          </a:fontRef>
-        </p:style>
-        <p:txBody>
-          <a:bodyPr rtlCol="0" anchor="ctr"/>
-          <a:lstStyle/>
-          <a:p>
-            <a:pPr algn="ctr"/>
-            <a:endParaRPr lang="es-ES_tradnl"/>
-          </a:p>
-        </p:txBody>
-      </p:sp>
-      <p:sp>
-        <p:nvSpPr>
-          <p:cNvPr id="14" name="Elipse 13"/>
-          <p:cNvSpPr/>
-          <p:nvPr/>
-        </p:nvSpPr>
-        <p:spPr>
-          <a:xfrm>
-            <a:off x="6312024" y="2158386"/>
-            <a:ext cx="304800" cy="304800"/>
-          </a:xfrm>
-          <a:prstGeom prst="ellipse">
-            <a:avLst/>
-          </a:prstGeom>
-          <a:solidFill>
-            <a:srgbClr val="92D050"/>
-          </a:solidFill>
-        </p:spPr>
-        <p:style>
-          <a:lnRef idx="1">
-            <a:schemeClr val="accent1"/>
-          </a:lnRef>
-          <a:fillRef idx="3">
-            <a:schemeClr val="accent1"/>
-          </a:fillRef>
-          <a:effectRef idx="2">
-            <a:schemeClr val="accent1"/>
-          </a:effectRef>
-          <a:fontRef idx="minor">
-            <a:schemeClr val="lt1"/>
-          </a:fontRef>
-        </p:style>
-        <p:txBody>
-          <a:bodyPr rtlCol="0" anchor="ctr"/>
-          <a:lstStyle/>
-          <a:p>
-            <a:pPr algn="ctr"/>
-            <a:endParaRPr lang="es-ES_tradnl"/>
-          </a:p>
-        </p:txBody>
-      </p:sp>
-    </p:spTree>
-    <p:extLst>
-      <p:ext uri="{BB962C8B-B14F-4D97-AF65-F5344CB8AC3E}">
-        <p14:creationId xmlns:p14="http://schemas.microsoft.com/office/powerpoint/2010/main" val="1784268716"/>
-      </p:ext>
-    </p:extLst>
-  </p:cSld>
-  <p:clrMapOvr>
-    <a:masterClrMapping/>
-  </p:clrMapOvr>
-  <p:timing>
-    <p:tnLst>
-      <p:par>
-        <p:cTn id="1" dur="indefinite" restart="never" nodeType="tmRoot"/>
-      </p:par>
-    </p:tnLst>
-  </p:timing>
-</p:sld>
-</file>
-
-<file path=ppt/slides/slide6.xml><?xml version="1.0" encoding="utf-8"?>
-<p:sld xmlns:a="http://schemas.openxmlformats.org/drawingml/2006/main" xmlns:r="http://schemas.openxmlformats.org/officeDocument/2006/relationships" xmlns:p="http://schemas.openxmlformats.org/presentationml/2006/main">
-  <p:cSld>
-    <p:spTree>
-      <p:nvGrpSpPr>
-        <p:cNvPr id="1" name=""/>
-        <p:cNvGrpSpPr/>
-        <p:nvPr/>
-      </p:nvGrpSpPr>
-      <p:grpSpPr>
-        <a:xfrm>
-          <a:off x="0" y="0"/>
-          <a:ext cx="0" cy="0"/>
-          <a:chOff x="0" y="0"/>
-          <a:chExt cx="0" cy="0"/>
-        </a:xfrm>
-      </p:grpSpPr>
-      <p:sp>
-        <p:nvSpPr>
-          <p:cNvPr id="2" name="1 Título"/>
-          <p:cNvSpPr>
-            <a:spLocks noGrp="1"/>
-          </p:cNvSpPr>
-          <p:nvPr>
-            <p:ph type="title"/>
-          </p:nvPr>
-        </p:nvSpPr>
-        <p:spPr>
-          <a:xfrm>
             <a:off x="802256" y="237990"/>
             <a:ext cx="10515600" cy="1325563"/>
           </a:xfrm>
@@ -10810,7 +10291,7 @@
         </p:nvGraphicFramePr>
         <p:xfrm>
           <a:off x="477980" y="1259457"/>
-          <a:ext cx="11090564" cy="5465372"/>
+          <a:ext cx="11090564" cy="5449496"/>
         </p:xfrm>
         <a:graphic>
           <a:graphicData uri="http://schemas.openxmlformats.org/drawingml/2006/table">
@@ -10819,41 +10300,11 @@
                 <a:tableStyleId>{5C22544A-7EE6-4342-B048-85BDC9FD1C3A}</a:tableStyleId>
               </a:tblPr>
               <a:tblGrid>
-                <a:gridCol w="2185874">
-                  <a:extLst>
-                    <a:ext uri="{9D8B030D-6E8A-4147-A177-3AD203B41FA5}">
-                      <a16:colId xmlns:a16="http://schemas.microsoft.com/office/drawing/2014/main" val="20000"/>
-                    </a:ext>
-                  </a:extLst>
-                </a:gridCol>
-                <a:gridCol w="1992812">
-                  <a:extLst>
-                    <a:ext uri="{9D8B030D-6E8A-4147-A177-3AD203B41FA5}">
-                      <a16:colId xmlns:a16="http://schemas.microsoft.com/office/drawing/2014/main" val="20001"/>
-                    </a:ext>
-                  </a:extLst>
-                </a:gridCol>
-                <a:gridCol w="4152296">
-                  <a:extLst>
-                    <a:ext uri="{9D8B030D-6E8A-4147-A177-3AD203B41FA5}">
-                      <a16:colId xmlns:a16="http://schemas.microsoft.com/office/drawing/2014/main" val="20002"/>
-                    </a:ext>
-                  </a:extLst>
-                </a:gridCol>
-                <a:gridCol w="2195716">
-                  <a:extLst>
-                    <a:ext uri="{9D8B030D-6E8A-4147-A177-3AD203B41FA5}">
-                      <a16:colId xmlns:a16="http://schemas.microsoft.com/office/drawing/2014/main" val="20003"/>
-                    </a:ext>
-                  </a:extLst>
-                </a:gridCol>
-                <a:gridCol w="563866">
-                  <a:extLst>
-                    <a:ext uri="{9D8B030D-6E8A-4147-A177-3AD203B41FA5}">
-                      <a16:colId xmlns:a16="http://schemas.microsoft.com/office/drawing/2014/main" val="20004"/>
-                    </a:ext>
-                  </a:extLst>
-                </a:gridCol>
+                <a:gridCol w="2185874"/>
+                <a:gridCol w="1992812"/>
+                <a:gridCol w="4152296"/>
+                <a:gridCol w="2195716"/>
+                <a:gridCol w="563866"/>
               </a:tblGrid>
               <a:tr h="228600">
                 <a:tc>
@@ -11001,11 +10452,6 @@
                   </a:txBody>
                   <a:tcPr marL="11204" marR="11204" marT="0" marB="0" anchor="ctr"/>
                 </a:tc>
-                <a:extLst>
-                  <a:ext uri="{0D108BD9-81ED-4DB2-BD59-A6C34878D82A}">
-                    <a16:rowId xmlns:a16="http://schemas.microsoft.com/office/drawing/2014/main" val="10000"/>
-                  </a:ext>
-                </a:extLst>
               </a:tr>
               <a:tr h="685799">
                 <a:tc>
@@ -11153,11 +10599,6 @@
                   </a:txBody>
                   <a:tcPr marL="11204" marR="11204" marT="0" marB="0" anchor="ctr"/>
                 </a:tc>
-                <a:extLst>
-                  <a:ext uri="{0D108BD9-81ED-4DB2-BD59-A6C34878D82A}">
-                    <a16:rowId xmlns:a16="http://schemas.microsoft.com/office/drawing/2014/main" val="10001"/>
-                  </a:ext>
-                </a:extLst>
               </a:tr>
               <a:tr h="481987">
                 <a:tc>
@@ -11305,11 +10746,6 @@
                   </a:txBody>
                   <a:tcPr marL="11204" marR="11204" marT="0" marB="0" anchor="ctr"/>
                 </a:tc>
-                <a:extLst>
-                  <a:ext uri="{0D108BD9-81ED-4DB2-BD59-A6C34878D82A}">
-                    <a16:rowId xmlns:a16="http://schemas.microsoft.com/office/drawing/2014/main" val="10002"/>
-                  </a:ext>
-                </a:extLst>
               </a:tr>
               <a:tr h="481987">
                 <a:tc>
@@ -11457,11 +10893,6 @@
                   </a:txBody>
                   <a:tcPr marL="11204" marR="11204" marT="0" marB="0" anchor="ctr"/>
                 </a:tc>
-                <a:extLst>
-                  <a:ext uri="{0D108BD9-81ED-4DB2-BD59-A6C34878D82A}">
-                    <a16:rowId xmlns:a16="http://schemas.microsoft.com/office/drawing/2014/main" val="10003"/>
-                  </a:ext>
-                </a:extLst>
               </a:tr>
               <a:tr h="688554">
                 <a:tc>
@@ -11609,11 +11040,6 @@
                   </a:txBody>
                   <a:tcPr marL="11204" marR="11204" marT="0" marB="0" anchor="ctr"/>
                 </a:tc>
-                <a:extLst>
-                  <a:ext uri="{0D108BD9-81ED-4DB2-BD59-A6C34878D82A}">
-                    <a16:rowId xmlns:a16="http://schemas.microsoft.com/office/drawing/2014/main" val="10004"/>
-                  </a:ext>
-                </a:extLst>
               </a:tr>
               <a:tr h="445588">
                 <a:tc>
@@ -11761,11 +11187,6 @@
                   </a:txBody>
                   <a:tcPr marL="11204" marR="11204" marT="0" marB="0" anchor="ctr"/>
                 </a:tc>
-                <a:extLst>
-                  <a:ext uri="{0D108BD9-81ED-4DB2-BD59-A6C34878D82A}">
-                    <a16:rowId xmlns:a16="http://schemas.microsoft.com/office/drawing/2014/main" val="10005"/>
-                  </a:ext>
-                </a:extLst>
               </a:tr>
               <a:tr h="619699">
                 <a:tc>
@@ -11913,11 +11334,6 @@
                   </a:txBody>
                   <a:tcPr marL="11204" marR="11204" marT="0" marB="0" anchor="ctr"/>
                 </a:tc>
-                <a:extLst>
-                  <a:ext uri="{0D108BD9-81ED-4DB2-BD59-A6C34878D82A}">
-                    <a16:rowId xmlns:a16="http://schemas.microsoft.com/office/drawing/2014/main" val="10006"/>
-                  </a:ext>
-                </a:extLst>
               </a:tr>
               <a:tr h="819641">
                 <a:tc>
@@ -12065,11 +11481,6 @@
                   </a:txBody>
                   <a:tcPr marL="11204" marR="11204" marT="0" marB="0" anchor="ctr"/>
                 </a:tc>
-                <a:extLst>
-                  <a:ext uri="{0D108BD9-81ED-4DB2-BD59-A6C34878D82A}">
-                    <a16:rowId xmlns:a16="http://schemas.microsoft.com/office/drawing/2014/main" val="10007"/>
-                  </a:ext>
-                </a:extLst>
               </a:tr>
               <a:tr h="146344">
                 <a:tc>
@@ -12217,11 +11628,6 @@
                   </a:txBody>
                   <a:tcPr marL="11204" marR="11204" marT="0" marB="0" anchor="ctr"/>
                 </a:tc>
-                <a:extLst>
-                  <a:ext uri="{0D108BD9-81ED-4DB2-BD59-A6C34878D82A}">
-                    <a16:rowId xmlns:a16="http://schemas.microsoft.com/office/drawing/2014/main" val="10008"/>
-                  </a:ext>
-                </a:extLst>
               </a:tr>
               <a:tr h="221155">
                 <a:tc>
@@ -12369,11 +11775,6 @@
                   </a:txBody>
                   <a:tcPr marL="11204" marR="11204" marT="0" marB="0" anchor="ctr"/>
                 </a:tc>
-                <a:extLst>
-                  <a:ext uri="{0D108BD9-81ED-4DB2-BD59-A6C34878D82A}">
-                    <a16:rowId xmlns:a16="http://schemas.microsoft.com/office/drawing/2014/main" val="10009"/>
-                  </a:ext>
-                </a:extLst>
               </a:tr>
               <a:tr h="520399">
                 <a:tc>
@@ -12521,11 +11922,6 @@
                   </a:txBody>
                   <a:tcPr marL="11204" marR="11204" marT="0" marB="0" anchor="ctr"/>
                 </a:tc>
-                <a:extLst>
-                  <a:ext uri="{0D108BD9-81ED-4DB2-BD59-A6C34878D82A}">
-                    <a16:rowId xmlns:a16="http://schemas.microsoft.com/office/drawing/2014/main" val="10010"/>
-                  </a:ext>
-                </a:extLst>
               </a:tr>
             </a:tbl>
           </a:graphicData>
@@ -12551,7 +11947,7 @@
 </p:sld>
 </file>
 
-<file path=ppt/slides/slide7.xml><?xml version="1.0" encoding="utf-8"?>
+<file path=ppt/slides/slide6.xml><?xml version="1.0" encoding="utf-8"?>
 <p:sld xmlns:a="http://schemas.openxmlformats.org/drawingml/2006/main" xmlns:r="http://schemas.openxmlformats.org/officeDocument/2006/relationships" xmlns:p="http://schemas.openxmlformats.org/presentationml/2006/main">
   <p:cSld>
     <p:spTree>
@@ -12652,34 +12048,10 @@
                 <a:tableStyleId>{5C22544A-7EE6-4342-B048-85BDC9FD1C3A}</a:tableStyleId>
               </a:tblPr>
               <a:tblGrid>
-                <a:gridCol w="3134594">
-                  <a:extLst>
-                    <a:ext uri="{9D8B030D-6E8A-4147-A177-3AD203B41FA5}">
-                      <a16:colId xmlns:a16="http://schemas.microsoft.com/office/drawing/2014/main" val="20000"/>
-                    </a:ext>
-                  </a:extLst>
-                </a:gridCol>
-                <a:gridCol w="2053087">
-                  <a:extLst>
-                    <a:ext uri="{9D8B030D-6E8A-4147-A177-3AD203B41FA5}">
-                      <a16:colId xmlns:a16="http://schemas.microsoft.com/office/drawing/2014/main" val="20001"/>
-                    </a:ext>
-                  </a:extLst>
-                </a:gridCol>
-                <a:gridCol w="1170301">
-                  <a:extLst>
-                    <a:ext uri="{9D8B030D-6E8A-4147-A177-3AD203B41FA5}">
-                      <a16:colId xmlns:a16="http://schemas.microsoft.com/office/drawing/2014/main" val="20002"/>
-                    </a:ext>
-                  </a:extLst>
-                </a:gridCol>
-                <a:gridCol w="2286016">
-                  <a:extLst>
-                    <a:ext uri="{9D8B030D-6E8A-4147-A177-3AD203B41FA5}">
-                      <a16:colId xmlns:a16="http://schemas.microsoft.com/office/drawing/2014/main" val="20003"/>
-                    </a:ext>
-                  </a:extLst>
-                </a:gridCol>
+                <a:gridCol w="3134594"/>
+                <a:gridCol w="2053087"/>
+                <a:gridCol w="1170301"/>
+                <a:gridCol w="2286016"/>
               </a:tblGrid>
               <a:tr h="357190">
                 <a:tc>
@@ -12746,11 +12118,6 @@
                   </a:txBody>
                   <a:tcPr/>
                 </a:tc>
-                <a:extLst>
-                  <a:ext uri="{0D108BD9-81ED-4DB2-BD59-A6C34878D82A}">
-                    <a16:rowId xmlns:a16="http://schemas.microsoft.com/office/drawing/2014/main" val="10000"/>
-                  </a:ext>
-                </a:extLst>
               </a:tr>
               <a:tr h="357190">
                 <a:tc>
@@ -12839,11 +12206,6 @@
                   </a:txBody>
                   <a:tcPr/>
                 </a:tc>
-                <a:extLst>
-                  <a:ext uri="{0D108BD9-81ED-4DB2-BD59-A6C34878D82A}">
-                    <a16:rowId xmlns:a16="http://schemas.microsoft.com/office/drawing/2014/main" val="10001"/>
-                  </a:ext>
-                </a:extLst>
               </a:tr>
               <a:tr h="357190">
                 <a:tc>
@@ -12915,11 +12277,6 @@
                   </a:txBody>
                   <a:tcPr/>
                 </a:tc>
-                <a:extLst>
-                  <a:ext uri="{0D108BD9-81ED-4DB2-BD59-A6C34878D82A}">
-                    <a16:rowId xmlns:a16="http://schemas.microsoft.com/office/drawing/2014/main" val="10002"/>
-                  </a:ext>
-                </a:extLst>
               </a:tr>
             </a:tbl>
           </a:graphicData>
@@ -12945,7 +12302,7 @@
 </p:sld>
 </file>
 
-<file path=ppt/slides/slide8.xml><?xml version="1.0" encoding="utf-8"?>
+<file path=ppt/slides/slide7.xml><?xml version="1.0" encoding="utf-8"?>
 <p:sld xmlns:a="http://schemas.openxmlformats.org/drawingml/2006/main" xmlns:r="http://schemas.openxmlformats.org/officeDocument/2006/relationships" xmlns:p="http://schemas.openxmlformats.org/presentationml/2006/main">
   <p:cSld>
     <p:spTree>
@@ -13009,7 +12366,7 @@
           <p:nvPr>
             <p:extLst>
               <p:ext uri="{D42A27DB-BD31-4B8C-83A1-F6EECF244321}">
-                <p14:modId xmlns:p14="http://schemas.microsoft.com/office/powerpoint/2010/main" val="4211230849"/>
+                <p14:modId xmlns:p14="http://schemas.microsoft.com/office/powerpoint/2010/main" val="540724980"/>
               </p:ext>
             </p:extLst>
           </p:nvPr>
@@ -13025,48 +12382,12 @@
                 <a:tableStyleId>{5C22544A-7EE6-4342-B048-85BDC9FD1C3A}</a:tableStyleId>
               </a:tblPr>
               <a:tblGrid>
-                <a:gridCol w="1911927">
-                  <a:extLst>
-                    <a:ext uri="{9D8B030D-6E8A-4147-A177-3AD203B41FA5}">
-                      <a16:colId xmlns:a16="http://schemas.microsoft.com/office/drawing/2014/main" val="20000"/>
-                    </a:ext>
-                  </a:extLst>
-                </a:gridCol>
-                <a:gridCol w="1052946">
-                  <a:extLst>
-                    <a:ext uri="{9D8B030D-6E8A-4147-A177-3AD203B41FA5}">
-                      <a16:colId xmlns:a16="http://schemas.microsoft.com/office/drawing/2014/main" val="20001"/>
-                    </a:ext>
-                  </a:extLst>
-                </a:gridCol>
-                <a:gridCol w="2860963">
-                  <a:extLst>
-                    <a:ext uri="{9D8B030D-6E8A-4147-A177-3AD203B41FA5}">
-                      <a16:colId xmlns:a16="http://schemas.microsoft.com/office/drawing/2014/main" val="20002"/>
-                    </a:ext>
-                  </a:extLst>
-                </a:gridCol>
-                <a:gridCol w="1094509">
-                  <a:extLst>
-                    <a:ext uri="{9D8B030D-6E8A-4147-A177-3AD203B41FA5}">
-                      <a16:colId xmlns:a16="http://schemas.microsoft.com/office/drawing/2014/main" val="20003"/>
-                    </a:ext>
-                  </a:extLst>
-                </a:gridCol>
-                <a:gridCol w="990600">
-                  <a:extLst>
-                    <a:ext uri="{9D8B030D-6E8A-4147-A177-3AD203B41FA5}">
-                      <a16:colId xmlns:a16="http://schemas.microsoft.com/office/drawing/2014/main" val="20004"/>
-                    </a:ext>
-                  </a:extLst>
-                </a:gridCol>
-                <a:gridCol w="762689">
-                  <a:extLst>
-                    <a:ext uri="{9D8B030D-6E8A-4147-A177-3AD203B41FA5}">
-                      <a16:colId xmlns:a16="http://schemas.microsoft.com/office/drawing/2014/main" val="20005"/>
-                    </a:ext>
-                  </a:extLst>
-                </a:gridCol>
+                <a:gridCol w="1911927"/>
+                <a:gridCol w="1052946"/>
+                <a:gridCol w="2860963"/>
+                <a:gridCol w="1094509"/>
+                <a:gridCol w="990600"/>
+                <a:gridCol w="762689"/>
               </a:tblGrid>
               <a:tr h="607302">
                 <a:tc>
@@ -13163,11 +12484,6 @@
                   </a:txBody>
                   <a:tcPr/>
                 </a:tc>
-                <a:extLst>
-                  <a:ext uri="{0D108BD9-81ED-4DB2-BD59-A6C34878D82A}">
-                    <a16:rowId xmlns:a16="http://schemas.microsoft.com/office/drawing/2014/main" val="10000"/>
-                  </a:ext>
-                </a:extLst>
               </a:tr>
               <a:tr h="357190">
                 <a:tc>
@@ -13320,7 +12636,7 @@
                     <a:bodyPr/>
                     <a:lstStyle/>
                     <a:p>
-                      <a:pPr algn="ctr">
+                      <a:pPr>
                         <a:lnSpc>
                           <a:spcPct val="107000"/>
                         </a:lnSpc>
@@ -13376,11 +12692,6 @@
                   </a:txBody>
                   <a:tcPr marL="68580" marR="68580" marT="0" marB="0"/>
                 </a:tc>
-                <a:extLst>
-                  <a:ext uri="{0D108BD9-81ED-4DB2-BD59-A6C34878D82A}">
-                    <a16:rowId xmlns:a16="http://schemas.microsoft.com/office/drawing/2014/main" val="10001"/>
-                  </a:ext>
-                </a:extLst>
               </a:tr>
               <a:tr h="357190">
                 <a:tc>
@@ -13586,11 +12897,6 @@
                   </a:txBody>
                   <a:tcPr marL="68580" marR="68580" marT="0" marB="0"/>
                 </a:tc>
-                <a:extLst>
-                  <a:ext uri="{0D108BD9-81ED-4DB2-BD59-A6C34878D82A}">
-                    <a16:rowId xmlns:a16="http://schemas.microsoft.com/office/drawing/2014/main" val="10002"/>
-                  </a:ext>
-                </a:extLst>
               </a:tr>
               <a:tr h="357190">
                 <a:tc>
@@ -13796,11 +13102,6 @@
                   </a:txBody>
                   <a:tcPr marL="68580" marR="68580" marT="0" marB="0"/>
                 </a:tc>
-                <a:extLst>
-                  <a:ext uri="{0D108BD9-81ED-4DB2-BD59-A6C34878D82A}">
-                    <a16:rowId xmlns:a16="http://schemas.microsoft.com/office/drawing/2014/main" val="10003"/>
-                  </a:ext>
-                </a:extLst>
               </a:tr>
               <a:tr h="357190">
                 <a:tc>
@@ -13908,11 +13209,6 @@
                   </a:txBody>
                   <a:tcPr/>
                 </a:tc>
-                <a:extLst>
-                  <a:ext uri="{0D108BD9-81ED-4DB2-BD59-A6C34878D82A}">
-                    <a16:rowId xmlns:a16="http://schemas.microsoft.com/office/drawing/2014/main" val="10004"/>
-                  </a:ext>
-                </a:extLst>
               </a:tr>
             </a:tbl>
           </a:graphicData>
@@ -14061,7 +13357,7 @@
 </p:sld>
 </file>
 
-<file path=ppt/slides/slide9.xml><?xml version="1.0" encoding="utf-8"?>
+<file path=ppt/slides/slide8.xml><?xml version="1.0" encoding="utf-8"?>
 <p:sld xmlns:a="http://schemas.openxmlformats.org/drawingml/2006/main" xmlns:r="http://schemas.openxmlformats.org/officeDocument/2006/relationships" xmlns:p="http://schemas.openxmlformats.org/presentationml/2006/main">
   <p:cSld>
     <p:spTree>
@@ -14078,693 +13374,34 @@
           <a:chExt cx="0" cy="0"/>
         </a:xfrm>
       </p:grpSpPr>
-      <p:sp>
-        <p:nvSpPr>
-          <p:cNvPr id="2" name="Título 1">
-            <a:extLst>
-              <a:ext uri="{FF2B5EF4-FFF2-40B4-BE49-F238E27FC236}">
-                <a16:creationId xmlns:a16="http://schemas.microsoft.com/office/drawing/2014/main" id="{4C5CFB34-A80A-4251-97D8-E309BCCBF128}"/>
-              </a:ext>
-            </a:extLst>
-          </p:cNvPr>
-          <p:cNvSpPr>
-            <a:spLocks noGrp="1"/>
-          </p:cNvSpPr>
-          <p:nvPr>
-            <p:ph type="title"/>
-          </p:nvPr>
-        </p:nvSpPr>
-        <p:spPr/>
-        <p:txBody>
-          <a:bodyPr/>
-          <a:lstStyle/>
-          <a:p>
-            <a:pPr algn="ctr"/>
-            <a:r>
-              <a:rPr lang="es-MX" dirty="0" smtClean="0">
-                <a:solidFill>
-                  <a:schemeClr val="tx2">
-                    <a:lumMod val="75000"/>
-                  </a:schemeClr>
-                </a:solidFill>
-              </a:rPr>
-              <a:t>Estado actual de Incidentes</a:t>
-            </a:r>
-            <a:endParaRPr lang="en-US" dirty="0">
-              <a:solidFill>
-                <a:schemeClr val="tx2">
-                  <a:lumMod val="75000"/>
-                </a:schemeClr>
-              </a:solidFill>
-            </a:endParaRPr>
-          </a:p>
-        </p:txBody>
-      </p:sp>
-      <p:graphicFrame>
-        <p:nvGraphicFramePr>
-          <p:cNvPr id="5" name="Tabla 4"/>
-          <p:cNvGraphicFramePr>
-            <a:graphicFrameLocks noGrp="1"/>
-          </p:cNvGraphicFramePr>
-          <p:nvPr>
-            <p:extLst>
-              <p:ext uri="{D42A27DB-BD31-4B8C-83A1-F6EECF244321}">
-                <p14:modId xmlns:p14="http://schemas.microsoft.com/office/powerpoint/2010/main" val="2017317885"/>
-              </p:ext>
-            </p:extLst>
-          </p:nvPr>
-        </p:nvGraphicFramePr>
-        <p:xfrm>
-          <a:off x="1759183" y="1866208"/>
-          <a:ext cx="8673634" cy="2730830"/>
-        </p:xfrm>
-        <a:graphic>
-          <a:graphicData uri="http://schemas.openxmlformats.org/drawingml/2006/table">
-            <a:tbl>
-              <a:tblPr firstRow="1" bandRow="1">
-                <a:tableStyleId>{5C22544A-7EE6-4342-B048-85BDC9FD1C3A}</a:tableStyleId>
-              </a:tblPr>
-              <a:tblGrid>
-                <a:gridCol w="1928826">
-                  <a:extLst>
-                    <a:ext uri="{9D8B030D-6E8A-4147-A177-3AD203B41FA5}">
-                      <a16:colId xmlns:a16="http://schemas.microsoft.com/office/drawing/2014/main" val="20000"/>
-                    </a:ext>
-                  </a:extLst>
-                </a:gridCol>
-                <a:gridCol w="1928826">
-                  <a:extLst>
-                    <a:ext uri="{9D8B030D-6E8A-4147-A177-3AD203B41FA5}">
-                      <a16:colId xmlns:a16="http://schemas.microsoft.com/office/drawing/2014/main" val="20001"/>
-                    </a:ext>
-                  </a:extLst>
-                </a:gridCol>
-                <a:gridCol w="1714512">
-                  <a:extLst>
-                    <a:ext uri="{9D8B030D-6E8A-4147-A177-3AD203B41FA5}">
-                      <a16:colId xmlns:a16="http://schemas.microsoft.com/office/drawing/2014/main" val="20002"/>
-                    </a:ext>
-                  </a:extLst>
-                </a:gridCol>
-                <a:gridCol w="1815586">
-                  <a:extLst>
-                    <a:ext uri="{9D8B030D-6E8A-4147-A177-3AD203B41FA5}">
-                      <a16:colId xmlns:a16="http://schemas.microsoft.com/office/drawing/2014/main" val="20003"/>
-                    </a:ext>
-                  </a:extLst>
-                </a:gridCol>
-                <a:gridCol w="1285884">
-                  <a:extLst>
-                    <a:ext uri="{9D8B030D-6E8A-4147-A177-3AD203B41FA5}">
-                      <a16:colId xmlns:a16="http://schemas.microsoft.com/office/drawing/2014/main" val="20004"/>
-                    </a:ext>
-                  </a:extLst>
-                </a:gridCol>
-              </a:tblGrid>
-              <a:tr h="357190">
-                <a:tc>
-                  <a:txBody>
-                    <a:bodyPr/>
-                    <a:lstStyle/>
-                    <a:p>
-                      <a:pPr algn="ctr"/>
-                      <a:r>
-                        <a:rPr lang="es-VE" sz="1400" dirty="0" smtClean="0"/>
-                        <a:t>Incidente</a:t>
-                      </a:r>
-                      <a:endParaRPr lang="es-VE" sz="1400" dirty="0"/>
-                    </a:p>
-                  </a:txBody>
-                  <a:tcPr/>
-                </a:tc>
-                <a:tc>
-                  <a:txBody>
-                    <a:bodyPr/>
-                    <a:lstStyle/>
-                    <a:p>
-                      <a:pPr algn="ctr"/>
-                      <a:r>
-                        <a:rPr lang="es-VE" sz="1400" dirty="0" smtClean="0"/>
-                        <a:t>Actividad</a:t>
-                      </a:r>
-                      <a:r>
-                        <a:rPr lang="es-VE" sz="1400" baseline="0" dirty="0" smtClean="0"/>
-                        <a:t> Afectada</a:t>
-                      </a:r>
-                      <a:endParaRPr lang="es-VE" sz="1400" dirty="0"/>
-                    </a:p>
-                  </a:txBody>
-                  <a:tcPr/>
-                </a:tc>
-                <a:tc>
-                  <a:txBody>
-                    <a:bodyPr/>
-                    <a:lstStyle/>
-                    <a:p>
-                      <a:pPr algn="ctr"/>
-                      <a:r>
-                        <a:rPr lang="es-VE" sz="1400" dirty="0" smtClean="0"/>
-                        <a:t>Causas del Incidente</a:t>
-                      </a:r>
-                      <a:endParaRPr lang="es-VE" sz="1400" dirty="0"/>
-                    </a:p>
-                  </a:txBody>
-                  <a:tcPr/>
-                </a:tc>
-                <a:tc>
-                  <a:txBody>
-                    <a:bodyPr/>
-                    <a:lstStyle/>
-                    <a:p>
-                      <a:pPr algn="ctr"/>
-                      <a:r>
-                        <a:rPr lang="es-VE" sz="1400" dirty="0" smtClean="0"/>
-                        <a:t>Acciones Correctivas</a:t>
-                      </a:r>
-                      <a:endParaRPr lang="es-VE" sz="1400" dirty="0"/>
-                    </a:p>
-                  </a:txBody>
-                  <a:tcPr/>
-                </a:tc>
-                <a:tc>
-                  <a:txBody>
-                    <a:bodyPr/>
-                    <a:lstStyle/>
-                    <a:p>
-                      <a:pPr algn="ctr"/>
-                      <a:r>
-                        <a:rPr lang="es-VE" sz="1400" dirty="0" smtClean="0"/>
-                        <a:t>Responsable de las Acciones Correctivas</a:t>
-                      </a:r>
-                      <a:endParaRPr lang="es-VE" sz="1400" dirty="0"/>
-                    </a:p>
-                  </a:txBody>
-                  <a:tcPr/>
-                </a:tc>
-                <a:extLst>
-                  <a:ext uri="{0D108BD9-81ED-4DB2-BD59-A6C34878D82A}">
-                    <a16:rowId xmlns:a16="http://schemas.microsoft.com/office/drawing/2014/main" val="10000"/>
-                  </a:ext>
-                </a:extLst>
-              </a:tr>
-              <a:tr h="357190">
-                <a:tc>
-                  <a:txBody>
-                    <a:bodyPr/>
-                    <a:lstStyle/>
-                    <a:p>
-                      <a:pPr algn="l"/>
-                      <a:r>
-                        <a:rPr lang="es-VE" sz="1400" dirty="0" smtClean="0">
-                          <a:solidFill>
-                            <a:srgbClr val="00B050"/>
-                          </a:solidFill>
-                        </a:rPr>
-                        <a:t>-</a:t>
-                      </a:r>
-                      <a:endParaRPr lang="es-VE" sz="1400" dirty="0">
-                        <a:solidFill>
-                          <a:srgbClr val="00B050"/>
-                        </a:solidFill>
-                      </a:endParaRPr>
-                    </a:p>
-                  </a:txBody>
-                  <a:tcPr/>
-                </a:tc>
-                <a:tc>
-                  <a:txBody>
-                    <a:bodyPr/>
-                    <a:lstStyle/>
-                    <a:p>
-                      <a:pPr algn="l"/>
-                      <a:r>
-                        <a:rPr lang="es-VE" sz="1400" kern="1200" dirty="0" smtClean="0">
-                          <a:solidFill>
-                            <a:srgbClr val="00B050"/>
-                          </a:solidFill>
-                          <a:latin typeface="+mn-lt"/>
-                          <a:ea typeface="+mn-ea"/>
-                          <a:cs typeface="+mn-cs"/>
-                        </a:rPr>
-                        <a:t>-</a:t>
-                      </a:r>
-                    </a:p>
-                  </a:txBody>
-                  <a:tcPr/>
-                </a:tc>
-                <a:tc>
-                  <a:txBody>
-                    <a:bodyPr/>
-                    <a:lstStyle/>
-                    <a:p>
-                      <a:pPr algn="ctr"/>
-                      <a:r>
-                        <a:rPr lang="es-VE" sz="1400" kern="1200" dirty="0" smtClean="0">
-                          <a:solidFill>
-                            <a:srgbClr val="00B050"/>
-                          </a:solidFill>
-                          <a:latin typeface="+mn-lt"/>
-                          <a:ea typeface="+mn-ea"/>
-                          <a:cs typeface="+mn-cs"/>
-                        </a:rPr>
-                        <a:t>-</a:t>
-                      </a:r>
-                    </a:p>
-                  </a:txBody>
-                  <a:tcPr/>
-                </a:tc>
-                <a:tc>
-                  <a:txBody>
-                    <a:bodyPr/>
-                    <a:lstStyle/>
-                    <a:p>
-                      <a:pPr algn="ctr"/>
-                      <a:r>
-                        <a:rPr lang="es-VE" sz="1400" kern="1200" dirty="0" smtClean="0">
-                          <a:solidFill>
-                            <a:srgbClr val="00B050"/>
-                          </a:solidFill>
-                          <a:latin typeface="+mn-lt"/>
-                          <a:ea typeface="+mn-ea"/>
-                          <a:cs typeface="+mn-cs"/>
-                        </a:rPr>
-                        <a:t>-</a:t>
-                      </a:r>
-                    </a:p>
-                  </a:txBody>
-                  <a:tcPr/>
-                </a:tc>
-                <a:tc>
-                  <a:txBody>
-                    <a:bodyPr/>
-                    <a:lstStyle/>
-                    <a:p>
-                      <a:pPr algn="ctr"/>
-                      <a:r>
-                        <a:rPr lang="es-VE" sz="1400" kern="1200" dirty="0" smtClean="0">
-                          <a:solidFill>
-                            <a:srgbClr val="00B050"/>
-                          </a:solidFill>
-                          <a:latin typeface="+mn-lt"/>
-                          <a:ea typeface="+mn-ea"/>
-                          <a:cs typeface="+mn-cs"/>
-                        </a:rPr>
-                        <a:t>-</a:t>
-                      </a:r>
-                    </a:p>
-                  </a:txBody>
-                  <a:tcPr/>
-                </a:tc>
-                <a:extLst>
-                  <a:ext uri="{0D108BD9-81ED-4DB2-BD59-A6C34878D82A}">
-                    <a16:rowId xmlns:a16="http://schemas.microsoft.com/office/drawing/2014/main" val="10001"/>
-                  </a:ext>
-                </a:extLst>
-              </a:tr>
-              <a:tr h="357190">
-                <a:tc>
-                  <a:txBody>
-                    <a:bodyPr/>
-                    <a:lstStyle/>
-                    <a:p>
-                      <a:pPr algn="l"/>
-                      <a:endParaRPr lang="es-VE" sz="1400" dirty="0">
-                        <a:solidFill>
-                          <a:srgbClr val="00B050"/>
-                        </a:solidFill>
-                      </a:endParaRPr>
-                    </a:p>
-                  </a:txBody>
-                  <a:tcPr/>
-                </a:tc>
-                <a:tc>
-                  <a:txBody>
-                    <a:bodyPr/>
-                    <a:lstStyle/>
-                    <a:p>
-                      <a:pPr algn="l"/>
-                      <a:endParaRPr lang="es-VE" sz="1400" kern="1200" dirty="0" smtClean="0">
-                        <a:solidFill>
-                          <a:srgbClr val="00B050"/>
-                        </a:solidFill>
-                        <a:latin typeface="+mn-lt"/>
-                        <a:ea typeface="+mn-ea"/>
-                        <a:cs typeface="+mn-cs"/>
-                      </a:endParaRPr>
-                    </a:p>
-                  </a:txBody>
-                  <a:tcPr/>
-                </a:tc>
-                <a:tc>
-                  <a:txBody>
-                    <a:bodyPr/>
-                    <a:lstStyle/>
-                    <a:p>
-                      <a:pPr algn="ctr"/>
-                      <a:endParaRPr lang="es-VE" sz="1400" kern="1200" dirty="0" smtClean="0">
-                        <a:solidFill>
-                          <a:srgbClr val="00B050"/>
-                        </a:solidFill>
-                        <a:latin typeface="+mn-lt"/>
-                        <a:ea typeface="+mn-ea"/>
-                        <a:cs typeface="+mn-cs"/>
-                      </a:endParaRPr>
-                    </a:p>
-                  </a:txBody>
-                  <a:tcPr/>
-                </a:tc>
-                <a:tc>
-                  <a:txBody>
-                    <a:bodyPr/>
-                    <a:lstStyle/>
-                    <a:p>
-                      <a:pPr algn="ctr"/>
-                      <a:endParaRPr lang="es-VE" sz="1400" kern="1200" dirty="0" smtClean="0">
-                        <a:solidFill>
-                          <a:srgbClr val="00B050"/>
-                        </a:solidFill>
-                        <a:latin typeface="+mn-lt"/>
-                        <a:ea typeface="+mn-ea"/>
-                        <a:cs typeface="+mn-cs"/>
-                      </a:endParaRPr>
-                    </a:p>
-                  </a:txBody>
-                  <a:tcPr/>
-                </a:tc>
-                <a:tc>
-                  <a:txBody>
-                    <a:bodyPr/>
-                    <a:lstStyle/>
-                    <a:p>
-                      <a:pPr algn="ctr"/>
-                      <a:endParaRPr lang="es-VE" sz="1400" kern="1200" dirty="0" smtClean="0">
-                        <a:solidFill>
-                          <a:srgbClr val="00B050"/>
-                        </a:solidFill>
-                        <a:latin typeface="+mn-lt"/>
-                        <a:ea typeface="+mn-ea"/>
-                        <a:cs typeface="+mn-cs"/>
-                      </a:endParaRPr>
-                    </a:p>
-                  </a:txBody>
-                  <a:tcPr/>
-                </a:tc>
-                <a:extLst>
-                  <a:ext uri="{0D108BD9-81ED-4DB2-BD59-A6C34878D82A}">
-                    <a16:rowId xmlns:a16="http://schemas.microsoft.com/office/drawing/2014/main" val="10002"/>
-                  </a:ext>
-                </a:extLst>
-              </a:tr>
-              <a:tr h="357190">
-                <a:tc>
-                  <a:txBody>
-                    <a:bodyPr/>
-                    <a:lstStyle/>
-                    <a:p>
-                      <a:pPr algn="l"/>
-                      <a:endParaRPr lang="es-VE" sz="1400" dirty="0">
-                        <a:solidFill>
-                          <a:srgbClr val="00B050"/>
-                        </a:solidFill>
-                      </a:endParaRPr>
-                    </a:p>
-                  </a:txBody>
-                  <a:tcPr/>
-                </a:tc>
-                <a:tc>
-                  <a:txBody>
-                    <a:bodyPr/>
-                    <a:lstStyle/>
-                    <a:p>
-                      <a:pPr algn="l"/>
-                      <a:endParaRPr lang="es-VE" sz="1400" kern="1200" dirty="0" smtClean="0">
-                        <a:solidFill>
-                          <a:srgbClr val="00B050"/>
-                        </a:solidFill>
-                        <a:latin typeface="+mn-lt"/>
-                        <a:ea typeface="+mn-ea"/>
-                        <a:cs typeface="+mn-cs"/>
-                      </a:endParaRPr>
-                    </a:p>
-                  </a:txBody>
-                  <a:tcPr/>
-                </a:tc>
-                <a:tc>
-                  <a:txBody>
-                    <a:bodyPr/>
-                    <a:lstStyle/>
-                    <a:p>
-                      <a:pPr algn="ctr"/>
-                      <a:endParaRPr lang="es-VE" sz="1400" kern="1200" dirty="0" smtClean="0">
-                        <a:solidFill>
-                          <a:srgbClr val="00B050"/>
-                        </a:solidFill>
-                        <a:latin typeface="+mn-lt"/>
-                        <a:ea typeface="+mn-ea"/>
-                        <a:cs typeface="+mn-cs"/>
-                      </a:endParaRPr>
-                    </a:p>
-                  </a:txBody>
-                  <a:tcPr/>
-                </a:tc>
-                <a:tc>
-                  <a:txBody>
-                    <a:bodyPr/>
-                    <a:lstStyle/>
-                    <a:p>
-                      <a:pPr algn="ctr"/>
-                      <a:endParaRPr lang="es-VE" sz="1400" kern="1200" dirty="0" smtClean="0">
-                        <a:solidFill>
-                          <a:srgbClr val="00B050"/>
-                        </a:solidFill>
-                        <a:latin typeface="+mn-lt"/>
-                        <a:ea typeface="+mn-ea"/>
-                        <a:cs typeface="+mn-cs"/>
-                      </a:endParaRPr>
-                    </a:p>
-                  </a:txBody>
-                  <a:tcPr/>
-                </a:tc>
-                <a:tc>
-                  <a:txBody>
-                    <a:bodyPr/>
-                    <a:lstStyle/>
-                    <a:p>
-                      <a:pPr algn="ctr"/>
-                      <a:endParaRPr lang="es-VE" sz="1400" kern="1200" dirty="0" smtClean="0">
-                        <a:solidFill>
-                          <a:srgbClr val="00B050"/>
-                        </a:solidFill>
-                        <a:latin typeface="+mn-lt"/>
-                        <a:ea typeface="+mn-ea"/>
-                        <a:cs typeface="+mn-cs"/>
-                      </a:endParaRPr>
-                    </a:p>
-                  </a:txBody>
-                  <a:tcPr/>
-                </a:tc>
-                <a:extLst>
-                  <a:ext uri="{0D108BD9-81ED-4DB2-BD59-A6C34878D82A}">
-                    <a16:rowId xmlns:a16="http://schemas.microsoft.com/office/drawing/2014/main" val="10003"/>
-                  </a:ext>
-                </a:extLst>
-              </a:tr>
-              <a:tr h="357190">
-                <a:tc>
-                  <a:txBody>
-                    <a:bodyPr/>
-                    <a:lstStyle/>
-                    <a:p>
-                      <a:pPr algn="l"/>
-                      <a:endParaRPr lang="es-VE" sz="1400" dirty="0">
-                        <a:solidFill>
-                          <a:srgbClr val="00B050"/>
-                        </a:solidFill>
-                      </a:endParaRPr>
-                    </a:p>
-                  </a:txBody>
-                  <a:tcPr/>
-                </a:tc>
-                <a:tc>
-                  <a:txBody>
-                    <a:bodyPr/>
-                    <a:lstStyle/>
-                    <a:p>
-                      <a:pPr algn="l"/>
-                      <a:endParaRPr lang="es-VE" sz="1400" kern="1200" dirty="0" smtClean="0">
-                        <a:solidFill>
-                          <a:srgbClr val="00B050"/>
-                        </a:solidFill>
-                        <a:latin typeface="+mn-lt"/>
-                        <a:ea typeface="+mn-ea"/>
-                        <a:cs typeface="+mn-cs"/>
-                      </a:endParaRPr>
-                    </a:p>
-                  </a:txBody>
-                  <a:tcPr/>
-                </a:tc>
-                <a:tc>
-                  <a:txBody>
-                    <a:bodyPr/>
-                    <a:lstStyle/>
-                    <a:p>
-                      <a:pPr algn="ctr"/>
-                      <a:endParaRPr lang="es-VE" sz="1400" kern="1200" dirty="0" smtClean="0">
-                        <a:solidFill>
-                          <a:srgbClr val="00B050"/>
-                        </a:solidFill>
-                        <a:latin typeface="+mn-lt"/>
-                        <a:ea typeface="+mn-ea"/>
-                        <a:cs typeface="+mn-cs"/>
-                      </a:endParaRPr>
-                    </a:p>
-                  </a:txBody>
-                  <a:tcPr/>
-                </a:tc>
-                <a:tc>
-                  <a:txBody>
-                    <a:bodyPr/>
-                    <a:lstStyle/>
-                    <a:p>
-                      <a:pPr algn="ctr"/>
-                      <a:endParaRPr lang="es-VE" sz="1400" kern="1200" dirty="0" smtClean="0">
-                        <a:solidFill>
-                          <a:srgbClr val="00B050"/>
-                        </a:solidFill>
-                        <a:latin typeface="+mn-lt"/>
-                        <a:ea typeface="+mn-ea"/>
-                        <a:cs typeface="+mn-cs"/>
-                      </a:endParaRPr>
-                    </a:p>
-                  </a:txBody>
-                  <a:tcPr/>
-                </a:tc>
-                <a:tc>
-                  <a:txBody>
-                    <a:bodyPr/>
-                    <a:lstStyle/>
-                    <a:p>
-                      <a:pPr algn="ctr"/>
-                      <a:endParaRPr lang="es-VE" sz="1400" kern="1200" dirty="0" smtClean="0">
-                        <a:solidFill>
-                          <a:srgbClr val="00B050"/>
-                        </a:solidFill>
-                        <a:latin typeface="+mn-lt"/>
-                        <a:ea typeface="+mn-ea"/>
-                        <a:cs typeface="+mn-cs"/>
-                      </a:endParaRPr>
-                    </a:p>
-                  </a:txBody>
-                  <a:tcPr/>
-                </a:tc>
-                <a:extLst>
-                  <a:ext uri="{0D108BD9-81ED-4DB2-BD59-A6C34878D82A}">
-                    <a16:rowId xmlns:a16="http://schemas.microsoft.com/office/drawing/2014/main" val="10004"/>
-                  </a:ext>
-                </a:extLst>
-              </a:tr>
-              <a:tr h="357190">
-                <a:tc>
-                  <a:txBody>
-                    <a:bodyPr/>
-                    <a:lstStyle/>
-                    <a:p>
-                      <a:pPr algn="l"/>
-                      <a:endParaRPr lang="es-VE" sz="1400" dirty="0">
-                        <a:solidFill>
-                          <a:srgbClr val="00B050"/>
-                        </a:solidFill>
-                      </a:endParaRPr>
-                    </a:p>
-                  </a:txBody>
-                  <a:tcPr/>
-                </a:tc>
-                <a:tc>
-                  <a:txBody>
-                    <a:bodyPr/>
-                    <a:lstStyle/>
-                    <a:p>
-                      <a:pPr algn="l"/>
-                      <a:endParaRPr lang="es-VE" sz="1400" kern="1200" dirty="0" smtClean="0">
-                        <a:solidFill>
-                          <a:srgbClr val="00B050"/>
-                        </a:solidFill>
-                        <a:latin typeface="+mn-lt"/>
-                        <a:ea typeface="+mn-ea"/>
-                        <a:cs typeface="+mn-cs"/>
-                      </a:endParaRPr>
-                    </a:p>
-                  </a:txBody>
-                  <a:tcPr/>
-                </a:tc>
-                <a:tc>
-                  <a:txBody>
-                    <a:bodyPr/>
-                    <a:lstStyle/>
-                    <a:p>
-                      <a:pPr algn="ctr"/>
-                      <a:endParaRPr lang="es-VE" sz="1400" kern="1200" dirty="0" smtClean="0">
-                        <a:solidFill>
-                          <a:srgbClr val="00B050"/>
-                        </a:solidFill>
-                        <a:latin typeface="+mn-lt"/>
-                        <a:ea typeface="+mn-ea"/>
-                        <a:cs typeface="+mn-cs"/>
-                      </a:endParaRPr>
-                    </a:p>
-                  </a:txBody>
-                  <a:tcPr/>
-                </a:tc>
-                <a:tc>
-                  <a:txBody>
-                    <a:bodyPr/>
-                    <a:lstStyle/>
-                    <a:p>
-                      <a:pPr algn="ctr"/>
-                      <a:endParaRPr lang="es-VE" sz="1400" kern="1200" dirty="0" smtClean="0">
-                        <a:solidFill>
-                          <a:srgbClr val="00B050"/>
-                        </a:solidFill>
-                        <a:latin typeface="+mn-lt"/>
-                        <a:ea typeface="+mn-ea"/>
-                        <a:cs typeface="+mn-cs"/>
-                      </a:endParaRPr>
-                    </a:p>
-                  </a:txBody>
-                  <a:tcPr/>
-                </a:tc>
-                <a:tc>
-                  <a:txBody>
-                    <a:bodyPr/>
-                    <a:lstStyle/>
-                    <a:p>
-                      <a:pPr algn="ctr"/>
-                      <a:endParaRPr lang="es-VE" sz="1400" kern="1200" dirty="0" smtClean="0">
-                        <a:solidFill>
-                          <a:srgbClr val="00B050"/>
-                        </a:solidFill>
-                        <a:latin typeface="+mn-lt"/>
-                        <a:ea typeface="+mn-ea"/>
-                        <a:cs typeface="+mn-cs"/>
-                      </a:endParaRPr>
-                    </a:p>
-                  </a:txBody>
-                  <a:tcPr/>
-                </a:tc>
-                <a:extLst>
-                  <a:ext uri="{0D108BD9-81ED-4DB2-BD59-A6C34878D82A}">
-                    <a16:rowId xmlns:a16="http://schemas.microsoft.com/office/drawing/2014/main" val="10005"/>
-                  </a:ext>
-                </a:extLst>
-              </a:tr>
-            </a:tbl>
-          </a:graphicData>
-        </a:graphic>
-      </p:graphicFrame>
+      <p:pic>
+        <p:nvPicPr>
+          <p:cNvPr id="3" name="Imagen 2" descr="Imagen PPT UAG NEW-03.jpg"/>
+          <p:cNvPicPr>
+            <a:picLocks noChangeAspect="1"/>
+          </p:cNvPicPr>
+          <p:nvPr/>
+        </p:nvPicPr>
+        <p:blipFill>
+          <a:blip r:embed="rId2"/>
+          <a:stretch>
+            <a:fillRect/>
+          </a:stretch>
+        </p:blipFill>
+        <p:spPr>
+          <a:xfrm>
+            <a:off x="1524000" y="0"/>
+            <a:ext cx="9144000" cy="6858000"/>
+          </a:xfrm>
+          <a:prstGeom prst="rect">
+            <a:avLst/>
+          </a:prstGeom>
+        </p:spPr>
+      </p:pic>
     </p:spTree>
     <p:extLst>
       <p:ext uri="{BB962C8B-B14F-4D97-AF65-F5344CB8AC3E}">
-        <p14:creationId xmlns:p14="http://schemas.microsoft.com/office/powerpoint/2010/main" val="76661382"/>
+        <p14:creationId xmlns:p14="http://schemas.microsoft.com/office/powerpoint/2010/main" val="2078192812"/>
       </p:ext>
     </p:extLst>
   </p:cSld>
